--- a/files/2015-lecture2-sequencing.pptx
+++ b/files/2015-lecture2-sequencing.pptx
@@ -20,57 +20,58 @@
     <p:sldId id="258" r:id="rId14"/>
     <p:sldId id="259" r:id="rId15"/>
     <p:sldId id="260" r:id="rId16"/>
-    <p:sldId id="281" r:id="rId17"/>
-    <p:sldId id="264" r:id="rId18"/>
-    <p:sldId id="293" r:id="rId19"/>
-    <p:sldId id="277" r:id="rId20"/>
-    <p:sldId id="274" r:id="rId21"/>
-    <p:sldId id="266" r:id="rId22"/>
-    <p:sldId id="275" r:id="rId23"/>
-    <p:sldId id="267" r:id="rId24"/>
-    <p:sldId id="276" r:id="rId25"/>
-    <p:sldId id="297" r:id="rId26"/>
-    <p:sldId id="296" r:id="rId27"/>
-    <p:sldId id="298" r:id="rId28"/>
-    <p:sldId id="295" r:id="rId29"/>
-    <p:sldId id="269" r:id="rId30"/>
-    <p:sldId id="292" r:id="rId31"/>
-    <p:sldId id="272" r:id="rId32"/>
-    <p:sldId id="273" r:id="rId33"/>
-    <p:sldId id="282" r:id="rId34"/>
-    <p:sldId id="291" r:id="rId35"/>
-    <p:sldId id="290" r:id="rId36"/>
-    <p:sldId id="283" r:id="rId37"/>
-    <p:sldId id="333" r:id="rId38"/>
-    <p:sldId id="301" r:id="rId39"/>
-    <p:sldId id="305" r:id="rId40"/>
-    <p:sldId id="306" r:id="rId41"/>
-    <p:sldId id="307" r:id="rId42"/>
-    <p:sldId id="308" r:id="rId43"/>
-    <p:sldId id="309" r:id="rId44"/>
-    <p:sldId id="310" r:id="rId45"/>
-    <p:sldId id="311" r:id="rId46"/>
-    <p:sldId id="314" r:id="rId47"/>
-    <p:sldId id="316" r:id="rId48"/>
-    <p:sldId id="317" r:id="rId49"/>
-    <p:sldId id="318" r:id="rId50"/>
-    <p:sldId id="319" r:id="rId51"/>
-    <p:sldId id="320" r:id="rId52"/>
-    <p:sldId id="321" r:id="rId53"/>
-    <p:sldId id="322" r:id="rId54"/>
-    <p:sldId id="323" r:id="rId55"/>
-    <p:sldId id="324" r:id="rId56"/>
-    <p:sldId id="325" r:id="rId57"/>
-    <p:sldId id="326" r:id="rId58"/>
-    <p:sldId id="327" r:id="rId59"/>
-    <p:sldId id="328" r:id="rId60"/>
-    <p:sldId id="329" r:id="rId61"/>
-    <p:sldId id="330" r:id="rId62"/>
-    <p:sldId id="331" r:id="rId63"/>
-    <p:sldId id="332" r:id="rId64"/>
-    <p:sldId id="335" r:id="rId65"/>
-    <p:sldId id="334" r:id="rId66"/>
-    <p:sldId id="336" r:id="rId67"/>
+    <p:sldId id="337" r:id="rId17"/>
+    <p:sldId id="281" r:id="rId18"/>
+    <p:sldId id="264" r:id="rId19"/>
+    <p:sldId id="293" r:id="rId20"/>
+    <p:sldId id="277" r:id="rId21"/>
+    <p:sldId id="274" r:id="rId22"/>
+    <p:sldId id="266" r:id="rId23"/>
+    <p:sldId id="275" r:id="rId24"/>
+    <p:sldId id="267" r:id="rId25"/>
+    <p:sldId id="276" r:id="rId26"/>
+    <p:sldId id="297" r:id="rId27"/>
+    <p:sldId id="296" r:id="rId28"/>
+    <p:sldId id="298" r:id="rId29"/>
+    <p:sldId id="295" r:id="rId30"/>
+    <p:sldId id="269" r:id="rId31"/>
+    <p:sldId id="292" r:id="rId32"/>
+    <p:sldId id="272" r:id="rId33"/>
+    <p:sldId id="273" r:id="rId34"/>
+    <p:sldId id="282" r:id="rId35"/>
+    <p:sldId id="291" r:id="rId36"/>
+    <p:sldId id="290" r:id="rId37"/>
+    <p:sldId id="283" r:id="rId38"/>
+    <p:sldId id="333" r:id="rId39"/>
+    <p:sldId id="301" r:id="rId40"/>
+    <p:sldId id="305" r:id="rId41"/>
+    <p:sldId id="306" r:id="rId42"/>
+    <p:sldId id="307" r:id="rId43"/>
+    <p:sldId id="308" r:id="rId44"/>
+    <p:sldId id="309" r:id="rId45"/>
+    <p:sldId id="310" r:id="rId46"/>
+    <p:sldId id="311" r:id="rId47"/>
+    <p:sldId id="314" r:id="rId48"/>
+    <p:sldId id="316" r:id="rId49"/>
+    <p:sldId id="317" r:id="rId50"/>
+    <p:sldId id="318" r:id="rId51"/>
+    <p:sldId id="319" r:id="rId52"/>
+    <p:sldId id="320" r:id="rId53"/>
+    <p:sldId id="321" r:id="rId54"/>
+    <p:sldId id="322" r:id="rId55"/>
+    <p:sldId id="323" r:id="rId56"/>
+    <p:sldId id="324" r:id="rId57"/>
+    <p:sldId id="325" r:id="rId58"/>
+    <p:sldId id="326" r:id="rId59"/>
+    <p:sldId id="327" r:id="rId60"/>
+    <p:sldId id="328" r:id="rId61"/>
+    <p:sldId id="329" r:id="rId62"/>
+    <p:sldId id="330" r:id="rId63"/>
+    <p:sldId id="331" r:id="rId64"/>
+    <p:sldId id="332" r:id="rId65"/>
+    <p:sldId id="335" r:id="rId66"/>
+    <p:sldId id="334" r:id="rId67"/>
+    <p:sldId id="336" r:id="rId68"/>
   </p:sldIdLst>
   <p:sldSz cx="9144000" cy="6858000" type="screen4x3"/>
   <p:notesSz cx="6858000" cy="9144000"/>
@@ -3275,12 +3276,12 @@
           <a:lstStyle/>
           <a:p>
             <a:r>
-              <a:rPr lang="en-US" smtClean="0"/>
+              <a:rPr lang="en-US" dirty="0" smtClean="0"/>
               <a:t>Titus Brown</a:t>
             </a:r>
           </a:p>
           <a:p>
-            <a:endParaRPr lang="en-US"/>
+            <a:endParaRPr lang="en-US" dirty="0"/>
           </a:p>
         </p:txBody>
       </p:sp>
@@ -4298,7 +4299,7 @@
           <a:p>
             <a:r>
               <a:rPr lang="en-US" dirty="0" smtClean="0"/>
-              <a:t>FASTQ</a:t>
+              <a:t>What goes wrong with basic assumptions?</a:t>
             </a:r>
             <a:endParaRPr lang="en-US" dirty="0"/>
           </a:p>
@@ -4306,7 +4307,7 @@
       </p:sp>
       <p:sp>
         <p:nvSpPr>
-          <p:cNvPr id="5" name="Content Placeholder 4"/>
+          <p:cNvPr id="3" name="Content Placeholder 2"/>
           <p:cNvSpPr>
             <a:spLocks noGrp="1"/>
           </p:cNvSpPr>
@@ -4316,110 +4317,24 @@
         </p:nvSpPr>
         <p:spPr/>
         <p:txBody>
-          <a:bodyPr>
-            <a:normAutofit lnSpcReduction="10000"/>
-          </a:bodyPr>
-          <a:lstStyle/>
-          <a:p>
-            <a:r>
-              <a:rPr lang="en-US" dirty="0"/>
-              <a:t>@895:1:1:1246:14654/1</a:t>
-            </a:r>
-          </a:p>
-          <a:p>
-            <a:r>
-              <a:rPr lang="en-US" dirty="0"/>
-              <a:t>CAGGCGCCCACCACCGTGCCCTCCAACCTGATGGT</a:t>
-            </a:r>
-          </a:p>
-          <a:p>
-            <a:r>
-              <a:rPr lang="en-US" dirty="0"/>
-              <a:t>+</a:t>
-            </a:r>
-          </a:p>
-          <a:p>
-            <a:r>
-              <a:rPr lang="en-US" dirty="0"/>
-              <a:t>][</a:t>
-            </a:r>
-            <a:r>
-              <a:rPr lang="en-US" dirty="0" err="1"/>
-              <a:t>aaX</a:t>
-            </a:r>
-            <a:r>
-              <a:rPr lang="en-US" dirty="0"/>
-              <a:t>__</a:t>
-            </a:r>
-            <a:r>
-              <a:rPr lang="en-US" dirty="0" err="1"/>
-              <a:t>aa</a:t>
-            </a:r>
-            <a:r>
-              <a:rPr lang="en-US" dirty="0"/>
-              <a:t>[`ZUZ[NONNFNNNNNO_____^RQ_</a:t>
-            </a:r>
+          <a:bodyPr/>
+          <a:lstStyle/>
+          <a:p>
+            <a:endParaRPr lang="en-US" dirty="0" smtClean="0"/>
           </a:p>
           <a:p>
             <a:r>
               <a:rPr lang="en-US" dirty="0" smtClean="0"/>
-              <a:t>@</a:t>
-            </a:r>
-            <a:r>
-              <a:rPr lang="en-US" dirty="0"/>
-              <a:t>895:1:1:1246:14654</a:t>
-            </a:r>
+              <a:t>Not all sequence is as easily sequenced as other, depending on your sequencing technology (e.g. GC/AT bias);</a:t>
+            </a:r>
+          </a:p>
+          <a:p>
+            <a:endParaRPr lang="en-US" dirty="0" smtClean="0"/>
+          </a:p>
+          <a:p>
             <a:r>
               <a:rPr lang="en-US" dirty="0" smtClean="0"/>
-              <a:t>/</a:t>
-            </a:r>
-            <a:r>
-              <a:rPr lang="en-US" dirty="0"/>
-              <a:t>2</a:t>
-            </a:r>
-            <a:endParaRPr lang="en-US" dirty="0" smtClean="0"/>
-          </a:p>
-          <a:p>
-            <a:r>
-              <a:rPr lang="en-US" dirty="0" smtClean="0"/>
-              <a:t>ACTGGGCGTAGACGGTGTCCTCATCGGCACCAGC</a:t>
-            </a:r>
-            <a:endParaRPr lang="en-US" dirty="0"/>
-          </a:p>
-          <a:p>
-            <a:r>
-              <a:rPr lang="en-US" dirty="0"/>
-              <a:t>+</a:t>
-            </a:r>
-          </a:p>
-          <a:p>
-            <a:r>
-              <a:rPr lang="en-US" dirty="0"/>
-              <a:t>\UJUWSSV[JQQWNP]]SZ]ZWU^]ZX][^TXR`</a:t>
-            </a:r>
-          </a:p>
-          <a:p>
-            <a:r>
-              <a:rPr lang="en-US" dirty="0"/>
-              <a:t>@895:1:1:1252:19493/1</a:t>
-            </a:r>
-          </a:p>
-          <a:p>
-            <a:r>
-              <a:rPr lang="en-US" dirty="0"/>
-              <a:t>CCGGCGTGGTTGGTGAGGTCACTGAGCTTCATGTC</a:t>
-            </a:r>
-          </a:p>
-          <a:p>
-            <a:r>
-              <a:rPr lang="en-US" dirty="0"/>
-              <a:t>+</a:t>
-            </a:r>
-          </a:p>
-          <a:p>
-            <a:r>
-              <a:rPr lang="en-US" dirty="0"/>
-              <a:t>OOOKONNNNN__`R]O[TGTRSY[IUZ]]]__X__</a:t>
+              <a:t>Some RNA not be as accessible as others (secondary structure);</a:t>
             </a:r>
           </a:p>
         </p:txBody>
@@ -4427,20 +4342,13 @@
     </p:spTree>
     <p:extLst>
       <p:ext uri="{BB962C8B-B14F-4D97-AF65-F5344CB8AC3E}">
-        <p14:creationId xmlns:p14="http://schemas.microsoft.com/office/powerpoint/2010/main" val="2866435983"/>
+        <p14:creationId xmlns:p14="http://schemas.microsoft.com/office/powerpoint/2010/main" val="2627738212"/>
       </p:ext>
     </p:extLst>
   </p:cSld>
   <p:clrMapOvr>
     <a:masterClrMapping/>
   </p:clrMapOvr>
-  <p:timing>
-    <p:tnLst>
-      <p:par>
-        <p:cTn xmlns:p14="http://schemas.microsoft.com/office/powerpoint/2010/main" id="1" dur="indefinite" restart="never" nodeType="tmRoot"/>
-      </p:par>
-    </p:tnLst>
-  </p:timing>
 </p:sld>
 </file>
 
@@ -4477,87 +4385,137 @@
           <a:lstStyle/>
           <a:p>
             <a:r>
-              <a:rPr lang="en-US" sz="3600" dirty="0" smtClean="0"/>
-              <a:t>Read length and </a:t>
-            </a:r>
-            <a:r>
-              <a:rPr lang="en-US" sz="3600" dirty="0" err="1" smtClean="0"/>
-              <a:t>reconstructability</a:t>
-            </a:r>
-            <a:endParaRPr lang="en-US" sz="3600" dirty="0"/>
-          </a:p>
-        </p:txBody>
-      </p:sp>
-      <p:pic>
-        <p:nvPicPr>
-          <p:cNvPr id="4" name="Picture 3"/>
-          <p:cNvPicPr>
-            <a:picLocks noChangeAspect="1"/>
-          </p:cNvPicPr>
-          <p:nvPr/>
-        </p:nvPicPr>
-        <p:blipFill>
-          <a:blip r:embed="rId2"/>
-          <a:stretch>
-            <a:fillRect/>
-          </a:stretch>
-        </p:blipFill>
-        <p:spPr>
-          <a:xfrm>
-            <a:off x="890493" y="1263977"/>
-            <a:ext cx="5758329" cy="5032235"/>
-          </a:xfrm>
-          <a:prstGeom prst="rect">
-            <a:avLst/>
-          </a:prstGeom>
-        </p:spPr>
-      </p:pic>
-      <p:sp>
-        <p:nvSpPr>
-          <p:cNvPr id="6" name="TextBox 5"/>
-          <p:cNvSpPr txBox="1"/>
-          <p:nvPr/>
-        </p:nvSpPr>
-        <p:spPr>
-          <a:xfrm>
-            <a:off x="4453604" y="6296212"/>
-            <a:ext cx="3623596" cy="369332"/>
-          </a:xfrm>
-          <a:prstGeom prst="rect">
-            <a:avLst/>
-          </a:prstGeom>
-          <a:noFill/>
-        </p:spPr>
-        <p:txBody>
-          <a:bodyPr wrap="none" rtlCol="0">
-            <a:spAutoFit/>
+              <a:rPr lang="en-US" dirty="0" smtClean="0"/>
+              <a:t>FASTQ</a:t>
+            </a:r>
+            <a:endParaRPr lang="en-US" dirty="0"/>
+          </a:p>
+        </p:txBody>
+      </p:sp>
+      <p:sp>
+        <p:nvSpPr>
+          <p:cNvPr id="5" name="Content Placeholder 4"/>
+          <p:cNvSpPr>
+            <a:spLocks noGrp="1"/>
+          </p:cNvSpPr>
+          <p:nvPr>
+            <p:ph idx="1"/>
+          </p:nvPr>
+        </p:nvSpPr>
+        <p:spPr/>
+        <p:txBody>
+          <a:bodyPr>
+            <a:normAutofit lnSpcReduction="10000"/>
           </a:bodyPr>
           <a:lstStyle/>
           <a:p>
             <a:r>
-              <a:rPr lang="en-US" dirty="0" err="1" smtClean="0"/>
-              <a:t>Whiteford</a:t>
-            </a:r>
+              <a:rPr lang="en-US" dirty="0"/>
+              <a:t>@895:1:1:1246:14654/1</a:t>
+            </a:r>
+          </a:p>
+          <a:p>
+            <a:r>
+              <a:rPr lang="en-US" dirty="0"/>
+              <a:t>CAGGCGCCCACCACCGTGCCCTCCAACCTGATGGT</a:t>
+            </a:r>
+          </a:p>
+          <a:p>
+            <a:r>
+              <a:rPr lang="en-US" dirty="0"/>
+              <a:t>+</a:t>
+            </a:r>
+          </a:p>
+          <a:p>
+            <a:r>
+              <a:rPr lang="en-US" dirty="0"/>
+              <a:t>][</a:t>
+            </a:r>
+            <a:r>
+              <a:rPr lang="en-US" dirty="0" err="1"/>
+              <a:t>aaX</a:t>
+            </a:r>
+            <a:r>
+              <a:rPr lang="en-US" dirty="0"/>
+              <a:t>__</a:t>
+            </a:r>
+            <a:r>
+              <a:rPr lang="en-US" dirty="0" err="1"/>
+              <a:t>aa</a:t>
+            </a:r>
+            <a:r>
+              <a:rPr lang="en-US" dirty="0"/>
+              <a:t>[`ZUZ[NONNFNNNNNO_____^RQ_</a:t>
+            </a:r>
+          </a:p>
+          <a:p>
             <a:r>
               <a:rPr lang="en-US" dirty="0" smtClean="0"/>
-              <a:t> et al., </a:t>
-            </a:r>
-            <a:r>
-              <a:rPr lang="en-US" dirty="0" err="1" smtClean="0"/>
-              <a:t>Nuc</a:t>
+              <a:t>@</a:t>
+            </a:r>
+            <a:r>
+              <a:rPr lang="en-US" dirty="0"/>
+              <a:t>895:1:1:1246:14654</a:t>
             </a:r>
             <a:r>
               <a:rPr lang="en-US" dirty="0" smtClean="0"/>
-              <a:t>. Acid Res, 2005</a:t>
+              <a:t>/</a:t>
+            </a:r>
+            <a:r>
+              <a:rPr lang="en-US" dirty="0"/>
+              <a:t>2</a:t>
+            </a:r>
+            <a:endParaRPr lang="en-US" dirty="0" smtClean="0"/>
+          </a:p>
+          <a:p>
+            <a:r>
+              <a:rPr lang="en-US" dirty="0" smtClean="0"/>
+              <a:t>ACTGGGCGTAGACGGTGTCCTCATCGGCACCAGC</a:t>
             </a:r>
             <a:endParaRPr lang="en-US" dirty="0"/>
+          </a:p>
+          <a:p>
+            <a:r>
+              <a:rPr lang="en-US" dirty="0"/>
+              <a:t>+</a:t>
+            </a:r>
+          </a:p>
+          <a:p>
+            <a:r>
+              <a:rPr lang="en-US" dirty="0"/>
+              <a:t>\UJUWSSV[JQQWNP]]SZ]ZWU^]ZX][^TXR`</a:t>
+            </a:r>
+          </a:p>
+          <a:p>
+            <a:r>
+              <a:rPr lang="en-US" dirty="0"/>
+              <a:t>@895:1:1:1252:19493/1</a:t>
+            </a:r>
+          </a:p>
+          <a:p>
+            <a:r>
+              <a:rPr lang="en-US" dirty="0"/>
+              <a:t>CCGGCGTGGTTGGTGAGGTCACTGAGCTTCATGTC</a:t>
+            </a:r>
+          </a:p>
+          <a:p>
+            <a:r>
+              <a:rPr lang="en-US" dirty="0"/>
+              <a:t>+</a:t>
+            </a:r>
+          </a:p>
+          <a:p>
+            <a:r>
+              <a:rPr lang="en-US" dirty="0"/>
+              <a:t>OOOKONNNNN__`R]O[TGTRSY[IUZ]]]__X__</a:t>
+            </a:r>
           </a:p>
         </p:txBody>
       </p:sp>
     </p:spTree>
     <p:extLst>
       <p:ext uri="{BB962C8B-B14F-4D97-AF65-F5344CB8AC3E}">
-        <p14:creationId xmlns:p14="http://schemas.microsoft.com/office/powerpoint/2010/main" val="3865268716"/>
+        <p14:creationId xmlns:p14="http://schemas.microsoft.com/office/powerpoint/2010/main" val="2866435983"/>
       </p:ext>
     </p:extLst>
   </p:cSld>
@@ -4607,75 +4565,87 @@
           <a:lstStyle/>
           <a:p>
             <a:r>
+              <a:rPr lang="en-US" sz="3600" dirty="0" smtClean="0"/>
+              <a:t>Read length and </a:t>
+            </a:r>
+            <a:r>
+              <a:rPr lang="en-US" sz="3600" dirty="0" err="1" smtClean="0"/>
+              <a:t>reconstructability</a:t>
+            </a:r>
+            <a:endParaRPr lang="en-US" sz="3600" dirty="0"/>
+          </a:p>
+        </p:txBody>
+      </p:sp>
+      <p:pic>
+        <p:nvPicPr>
+          <p:cNvPr id="4" name="Picture 3"/>
+          <p:cNvPicPr>
+            <a:picLocks noChangeAspect="1"/>
+          </p:cNvPicPr>
+          <p:nvPr/>
+        </p:nvPicPr>
+        <p:blipFill>
+          <a:blip r:embed="rId2"/>
+          <a:stretch>
+            <a:fillRect/>
+          </a:stretch>
+        </p:blipFill>
+        <p:spPr>
+          <a:xfrm>
+            <a:off x="890493" y="1263977"/>
+            <a:ext cx="5758329" cy="5032235"/>
+          </a:xfrm>
+          <a:prstGeom prst="rect">
+            <a:avLst/>
+          </a:prstGeom>
+        </p:spPr>
+      </p:pic>
+      <p:sp>
+        <p:nvSpPr>
+          <p:cNvPr id="6" name="TextBox 5"/>
+          <p:cNvSpPr txBox="1"/>
+          <p:nvPr/>
+        </p:nvSpPr>
+        <p:spPr>
+          <a:xfrm>
+            <a:off x="4453604" y="6296212"/>
+            <a:ext cx="3623596" cy="369332"/>
+          </a:xfrm>
+          <a:prstGeom prst="rect">
+            <a:avLst/>
+          </a:prstGeom>
+          <a:noFill/>
+        </p:spPr>
+        <p:txBody>
+          <a:bodyPr wrap="none" rtlCol="0">
+            <a:spAutoFit/>
+          </a:bodyPr>
+          <a:lstStyle/>
+          <a:p>
+            <a:r>
+              <a:rPr lang="en-US" dirty="0" err="1" smtClean="0"/>
+              <a:t>Whiteford</a:t>
+            </a:r>
+            <a:r>
               <a:rPr lang="en-US" dirty="0" smtClean="0"/>
-              <a:t>“</a:t>
+              <a:t> et al., </a:t>
             </a:r>
             <a:r>
               <a:rPr lang="en-US" dirty="0" err="1" smtClean="0"/>
-              <a:t>Reconstructability</a:t>
+              <a:t>Nuc</a:t>
             </a:r>
             <a:r>
               <a:rPr lang="en-US" dirty="0" smtClean="0"/>
-              <a:t>”</a:t>
+              <a:t>. Acid Res, 2005</a:t>
             </a:r>
             <a:endParaRPr lang="en-US" dirty="0"/>
-          </a:p>
-        </p:txBody>
-      </p:sp>
-      <p:sp>
-        <p:nvSpPr>
-          <p:cNvPr id="3" name="Content Placeholder 2"/>
-          <p:cNvSpPr>
-            <a:spLocks noGrp="1"/>
-          </p:cNvSpPr>
-          <p:nvPr>
-            <p:ph idx="1"/>
-          </p:nvPr>
-        </p:nvSpPr>
-        <p:spPr/>
-        <p:txBody>
-          <a:bodyPr>
-            <a:normAutofit/>
-          </a:bodyPr>
-          <a:lstStyle/>
-          <a:p>
-            <a:r>
-              <a:rPr lang="en-US" sz="3200" dirty="0" smtClean="0"/>
-              <a:t>Assembling new genomes or transcriptomes…</a:t>
-            </a:r>
-          </a:p>
-          <a:p>
-            <a:endParaRPr lang="en-US" sz="3200" dirty="0"/>
-          </a:p>
-          <a:p>
-            <a:r>
-              <a:rPr lang="en-US" sz="3200" i="1" dirty="0" err="1" smtClean="0"/>
-              <a:t>Haplotyping</a:t>
-            </a:r>
-            <a:r>
-              <a:rPr lang="en-US" sz="3200" i="1" dirty="0"/>
-              <a:t> </a:t>
-            </a:r>
-            <a:r>
-              <a:rPr lang="en-US" sz="3200" i="1" dirty="0" smtClean="0"/>
-              <a:t>- </a:t>
-            </a:r>
-            <a:r>
-              <a:rPr lang="en-US" sz="3200" dirty="0"/>
-              <a:t>t</a:t>
-            </a:r>
-            <a:r>
-              <a:rPr lang="en-US" sz="3200" dirty="0" smtClean="0"/>
-              <a:t>hink human genetics &amp; viruses, both.</a:t>
-            </a:r>
-            <a:endParaRPr lang="en-US" sz="3200" dirty="0"/>
           </a:p>
         </p:txBody>
       </p:sp>
     </p:spTree>
     <p:extLst>
       <p:ext uri="{BB962C8B-B14F-4D97-AF65-F5344CB8AC3E}">
-        <p14:creationId xmlns:p14="http://schemas.microsoft.com/office/powerpoint/2010/main" val="553330692"/>
+        <p14:creationId xmlns:p14="http://schemas.microsoft.com/office/powerpoint/2010/main" val="3865268716"/>
       </p:ext>
     </p:extLst>
   </p:cSld>
@@ -4726,35 +4696,74 @@
           <a:p>
             <a:r>
               <a:rPr lang="en-US" dirty="0" smtClean="0"/>
-              <a:t>Repeats! (and shared exons)</a:t>
+              <a:t>“</a:t>
+            </a:r>
+            <a:r>
+              <a:rPr lang="en-US" dirty="0" err="1" smtClean="0"/>
+              <a:t>Reconstructability</a:t>
+            </a:r>
+            <a:r>
+              <a:rPr lang="en-US" dirty="0" smtClean="0"/>
+              <a:t>”</a:t>
             </a:r>
             <a:endParaRPr lang="en-US" dirty="0"/>
           </a:p>
         </p:txBody>
       </p:sp>
-      <p:pic>
-        <p:nvPicPr>
-          <p:cNvPr id="4" name="Content Placeholder 3"/>
-          <p:cNvPicPr>
-            <a:picLocks noGrp="1" noChangeAspect="1"/>
-          </p:cNvPicPr>
+      <p:sp>
+        <p:nvSpPr>
+          <p:cNvPr id="3" name="Content Placeholder 2"/>
+          <p:cNvSpPr>
+            <a:spLocks noGrp="1"/>
+          </p:cNvSpPr>
           <p:nvPr>
             <p:ph idx="1"/>
           </p:nvPr>
-        </p:nvPicPr>
-        <p:blipFill>
-          <a:blip r:embed="rId2"/>
-          <a:srcRect l="-5266" r="-5266"/>
-          <a:stretch>
-            <a:fillRect/>
-          </a:stretch>
-        </p:blipFill>
+        </p:nvSpPr>
         <p:spPr/>
-      </p:pic>
+        <p:txBody>
+          <a:bodyPr>
+            <a:normAutofit/>
+          </a:bodyPr>
+          <a:lstStyle/>
+          <a:p>
+            <a:r>
+              <a:rPr lang="en-US" sz="3200" dirty="0" smtClean="0"/>
+              <a:t>Assembling new genomes or transcriptomes…</a:t>
+            </a:r>
+          </a:p>
+          <a:p>
+            <a:endParaRPr lang="en-US" sz="3200" dirty="0"/>
+          </a:p>
+          <a:p>
+            <a:r>
+              <a:rPr lang="en-US" sz="3200" i="1" dirty="0" err="1" smtClean="0"/>
+              <a:t>Haplotyping</a:t>
+            </a:r>
+            <a:r>
+              <a:rPr lang="en-US" sz="3200" i="1" dirty="0"/>
+              <a:t> </a:t>
+            </a:r>
+            <a:r>
+              <a:rPr lang="en-US" sz="3200" i="1" dirty="0" smtClean="0"/>
+              <a:t>- </a:t>
+            </a:r>
+            <a:r>
+              <a:rPr lang="en-US" sz="3200" dirty="0"/>
+              <a:t>t</a:t>
+            </a:r>
+            <a:r>
+              <a:rPr lang="en-US" sz="3200" dirty="0" smtClean="0"/>
+              <a:t>hink human genetics &amp; viruses, both.</a:t>
+            </a:r>
+            <a:endParaRPr lang="en-US" sz="3200" dirty="0"/>
+          </a:p>
+        </p:txBody>
+      </p:sp>
     </p:spTree>
     <p:extLst>
       <p:ext uri="{BB962C8B-B14F-4D97-AF65-F5344CB8AC3E}">
-        <p14:creationId xmlns:p14="http://schemas.microsoft.com/office/powerpoint/2010/main" val="3443518618"/>
+        <p14:creationId xmlns:p14="http://schemas.microsoft.com/office/powerpoint/2010/main" val="553330692"/>
       </p:ext>
     </p:extLst>
   </p:cSld>
@@ -4918,23 +4927,16 @@
           <a:lstStyle/>
           <a:p>
             <a:r>
-              <a:rPr lang="en-US" sz="4000" dirty="0" smtClean="0"/>
-              <a:t>Longer reads … OR …</a:t>
-            </a:r>
-            <a:br>
-              <a:rPr lang="en-US" sz="4000" dirty="0" smtClean="0"/>
-            </a:br>
-            <a:r>
-              <a:rPr lang="en-US" sz="4000" dirty="0" smtClean="0"/>
-              <a:t>Paired-end/mate pair sequencing</a:t>
-            </a:r>
-            <a:endParaRPr lang="en-US" sz="4000" dirty="0"/>
+              <a:rPr lang="en-US" dirty="0" smtClean="0"/>
+              <a:t>Repeats! (and shared exons)</a:t>
+            </a:r>
+            <a:endParaRPr lang="en-US" dirty="0"/>
           </a:p>
         </p:txBody>
       </p:sp>
       <p:pic>
         <p:nvPicPr>
-          <p:cNvPr id="7" name="Content Placeholder 6"/>
+          <p:cNvPr id="4" name="Content Placeholder 3"/>
           <p:cNvPicPr>
             <a:picLocks noGrp="1" noChangeAspect="1"/>
           </p:cNvPicPr>
@@ -4944,7 +4946,7 @@
         </p:nvPicPr>
         <p:blipFill>
           <a:blip r:embed="rId2"/>
-          <a:srcRect l="-20008" r="-20008"/>
+          <a:srcRect l="-5266" r="-5266"/>
           <a:stretch>
             <a:fillRect/>
           </a:stretch>
@@ -4954,7 +4956,7 @@
     </p:spTree>
     <p:extLst>
       <p:ext uri="{BB962C8B-B14F-4D97-AF65-F5344CB8AC3E}">
-        <p14:creationId xmlns:p14="http://schemas.microsoft.com/office/powerpoint/2010/main" val="4075861475"/>
+        <p14:creationId xmlns:p14="http://schemas.microsoft.com/office/powerpoint/2010/main" val="3443518618"/>
       </p:ext>
     </p:extLst>
   </p:cSld>
@@ -5004,16 +5006,23 @@
           <a:lstStyle/>
           <a:p>
             <a:r>
-              <a:rPr lang="en-US" dirty="0" smtClean="0"/>
-              <a:t>Paired-end sequencing</a:t>
-            </a:r>
-            <a:endParaRPr lang="en-US" dirty="0"/>
+              <a:rPr lang="en-US" sz="4000" dirty="0" smtClean="0"/>
+              <a:t>Longer reads … OR …</a:t>
+            </a:r>
+            <a:br>
+              <a:rPr lang="en-US" sz="4000" dirty="0" smtClean="0"/>
+            </a:br>
+            <a:r>
+              <a:rPr lang="en-US" sz="4000" dirty="0" smtClean="0"/>
+              <a:t>Paired-end/mate pair sequencing</a:t>
+            </a:r>
+            <a:endParaRPr lang="en-US" sz="4000" dirty="0"/>
           </a:p>
         </p:txBody>
       </p:sp>
       <p:pic>
         <p:nvPicPr>
-          <p:cNvPr id="4" name="Content Placeholder 3"/>
+          <p:cNvPr id="7" name="Content Placeholder 6"/>
           <p:cNvPicPr>
             <a:picLocks noGrp="1" noChangeAspect="1"/>
           </p:cNvPicPr>
@@ -5023,58 +5032,17 @@
         </p:nvPicPr>
         <p:blipFill>
           <a:blip r:embed="rId2"/>
-          <a:srcRect t="-4290" b="-4290"/>
+          <a:srcRect l="-20008" r="-20008"/>
           <a:stretch>
             <a:fillRect/>
           </a:stretch>
         </p:blipFill>
         <p:spPr/>
       </p:pic>
-      <p:sp>
-        <p:nvSpPr>
-          <p:cNvPr id="5" name="Rectangle 4"/>
-          <p:cNvSpPr/>
-          <p:nvPr/>
-        </p:nvSpPr>
-        <p:spPr>
-          <a:xfrm>
-            <a:off x="1759391" y="6400800"/>
-            <a:ext cx="8168711" cy="369332"/>
-          </a:xfrm>
-          <a:prstGeom prst="rect">
-            <a:avLst/>
-          </a:prstGeom>
-        </p:spPr>
-        <p:txBody>
-          <a:bodyPr wrap="square">
-            <a:spAutoFit/>
-          </a:bodyPr>
-          <a:lstStyle/>
-          <a:p>
-            <a:r>
-              <a:rPr lang="en-US" dirty="0" smtClean="0"/>
-              <a:t>http://</a:t>
-            </a:r>
-            <a:r>
-              <a:rPr lang="en-US" dirty="0" err="1" smtClean="0"/>
-              <a:t>vallandingham.me</a:t>
-            </a:r>
-            <a:r>
-              <a:rPr lang="en-US" dirty="0" smtClean="0"/>
-              <a:t>/</a:t>
-            </a:r>
-            <a:r>
-              <a:rPr lang="en-US" dirty="0" err="1" smtClean="0"/>
-              <a:t>RNA_seq_differential_expression.html</a:t>
-            </a:r>
-            <a:endParaRPr lang="en-US" dirty="0"/>
-          </a:p>
-        </p:txBody>
-      </p:sp>
     </p:spTree>
     <p:extLst>
       <p:ext uri="{BB962C8B-B14F-4D97-AF65-F5344CB8AC3E}">
-        <p14:creationId xmlns:p14="http://schemas.microsoft.com/office/powerpoint/2010/main" val="466555091"/>
+        <p14:creationId xmlns:p14="http://schemas.microsoft.com/office/powerpoint/2010/main" val="4075861475"/>
       </p:ext>
     </p:extLst>
   </p:cSld>
@@ -5108,6 +5076,29 @@
           <a:chExt cx="0" cy="0"/>
         </a:xfrm>
       </p:grpSpPr>
+      <p:sp>
+        <p:nvSpPr>
+          <p:cNvPr id="2" name="Title 1"/>
+          <p:cNvSpPr>
+            <a:spLocks noGrp="1"/>
+          </p:cNvSpPr>
+          <p:nvPr>
+            <p:ph type="title"/>
+          </p:nvPr>
+        </p:nvSpPr>
+        <p:spPr/>
+        <p:txBody>
+          <a:bodyPr/>
+          <a:lstStyle/>
+          <a:p>
+            <a:r>
+              <a:rPr lang="en-US" dirty="0" smtClean="0"/>
+              <a:t>Paired-end sequencing</a:t>
+            </a:r>
+            <a:endParaRPr lang="en-US" dirty="0"/>
+          </a:p>
+        </p:txBody>
+      </p:sp>
       <p:pic>
         <p:nvPicPr>
           <p:cNvPr id="4" name="Content Placeholder 3"/>
@@ -5120,22 +5111,58 @@
         </p:nvPicPr>
         <p:blipFill>
           <a:blip r:embed="rId2"/>
-          <a:srcRect l="-97475" r="-97475"/>
+          <a:srcRect t="-4290" b="-4290"/>
           <a:stretch>
             <a:fillRect/>
           </a:stretch>
         </p:blipFill>
+        <p:spPr/>
+      </p:pic>
+      <p:sp>
+        <p:nvSpPr>
+          <p:cNvPr id="5" name="Rectangle 4"/>
+          <p:cNvSpPr/>
+          <p:nvPr/>
+        </p:nvSpPr>
         <p:spPr>
           <a:xfrm>
-            <a:off x="-1494346" y="237119"/>
-            <a:ext cx="9827056" cy="6191045"/>
+            <a:off x="1759391" y="6400800"/>
+            <a:ext cx="8168711" cy="369332"/>
           </a:xfrm>
+          <a:prstGeom prst="rect">
+            <a:avLst/>
+          </a:prstGeom>
         </p:spPr>
-      </p:pic>
+        <p:txBody>
+          <a:bodyPr wrap="square">
+            <a:spAutoFit/>
+          </a:bodyPr>
+          <a:lstStyle/>
+          <a:p>
+            <a:r>
+              <a:rPr lang="en-US" dirty="0" smtClean="0"/>
+              <a:t>http://</a:t>
+            </a:r>
+            <a:r>
+              <a:rPr lang="en-US" dirty="0" err="1" smtClean="0"/>
+              <a:t>vallandingham.me</a:t>
+            </a:r>
+            <a:r>
+              <a:rPr lang="en-US" dirty="0" smtClean="0"/>
+              <a:t>/</a:t>
+            </a:r>
+            <a:r>
+              <a:rPr lang="en-US" dirty="0" err="1" smtClean="0"/>
+              <a:t>RNA_seq_differential_expression.html</a:t>
+            </a:r>
+            <a:endParaRPr lang="en-US" dirty="0"/>
+          </a:p>
+        </p:txBody>
+      </p:sp>
     </p:spTree>
     <p:extLst>
       <p:ext uri="{BB962C8B-B14F-4D97-AF65-F5344CB8AC3E}">
-        <p14:creationId xmlns:p14="http://schemas.microsoft.com/office/powerpoint/2010/main" val="3964113492"/>
+        <p14:creationId xmlns:p14="http://schemas.microsoft.com/office/powerpoint/2010/main" val="466555091"/>
       </p:ext>
     </p:extLst>
   </p:cSld>
@@ -5179,58 +5206,24 @@
             <p:ph idx="1"/>
           </p:nvPr>
         </p:nvPicPr>
-        <p:blipFill rotWithShape="1">
+        <p:blipFill>
           <a:blip r:embed="rId2"/>
-          <a:srcRect l="-2267" r="-2189" b="44195"/>
-          <a:stretch/>
+          <a:srcRect l="-97475" r="-97475"/>
+          <a:stretch>
+            <a:fillRect/>
+          </a:stretch>
         </p:blipFill>
         <p:spPr>
           <a:xfrm>
-            <a:off x="156881" y="-1"/>
-            <a:ext cx="8524654" cy="5558119"/>
+            <a:off x="-1494346" y="237119"/>
+            <a:ext cx="9827056" cy="6191045"/>
           </a:xfrm>
         </p:spPr>
       </p:pic>
-      <p:sp>
-        <p:nvSpPr>
-          <p:cNvPr id="5" name="TextBox 4"/>
-          <p:cNvSpPr txBox="1"/>
-          <p:nvPr/>
-        </p:nvSpPr>
-        <p:spPr>
-          <a:xfrm>
-            <a:off x="4601883" y="3480230"/>
-            <a:ext cx="3377848" cy="954107"/>
-          </a:xfrm>
-          <a:prstGeom prst="rect">
-            <a:avLst/>
-          </a:prstGeom>
-          <a:noFill/>
-        </p:spPr>
-        <p:txBody>
-          <a:bodyPr wrap="none" rtlCol="0">
-            <a:spAutoFit/>
-          </a:bodyPr>
-          <a:lstStyle/>
-          <a:p>
-            <a:r>
-              <a:rPr lang="en-US" sz="2800" dirty="0" smtClean="0"/>
-              <a:t>Mate-pair sequencing</a:t>
-            </a:r>
-          </a:p>
-          <a:p>
-            <a:r>
-              <a:rPr lang="en-US" sz="2800" dirty="0" smtClean="0"/>
-              <a:t>(long insert)</a:t>
-            </a:r>
-            <a:endParaRPr lang="en-US" sz="2800" dirty="0"/>
-          </a:p>
-        </p:txBody>
-      </p:sp>
     </p:spTree>
     <p:extLst>
       <p:ext uri="{BB962C8B-B14F-4D97-AF65-F5344CB8AC3E}">
-        <p14:creationId xmlns:p14="http://schemas.microsoft.com/office/powerpoint/2010/main" val="581089326"/>
+        <p14:creationId xmlns:p14="http://schemas.microsoft.com/office/powerpoint/2010/main" val="3964113492"/>
       </p:ext>
     </p:extLst>
   </p:cSld>
@@ -5264,72 +5257,68 @@
           <a:chExt cx="0" cy="0"/>
         </a:xfrm>
       </p:grpSpPr>
-      <p:sp>
-        <p:nvSpPr>
-          <p:cNvPr id="2" name="Title 1"/>
-          <p:cNvSpPr>
-            <a:spLocks noGrp="1"/>
-          </p:cNvSpPr>
-          <p:nvPr>
-            <p:ph type="title"/>
-          </p:nvPr>
-        </p:nvSpPr>
-        <p:spPr/>
-        <p:txBody>
-          <a:bodyPr/>
-          <a:lstStyle/>
-          <a:p>
-            <a:r>
-              <a:rPr lang="en-US" dirty="0" smtClean="0"/>
-              <a:t>Longer reads</a:t>
-            </a:r>
-            <a:endParaRPr lang="en-US" dirty="0"/>
-          </a:p>
-        </p:txBody>
-      </p:sp>
-      <p:sp>
-        <p:nvSpPr>
-          <p:cNvPr id="3" name="Content Placeholder 2"/>
-          <p:cNvSpPr>
-            <a:spLocks noGrp="1"/>
-          </p:cNvSpPr>
+      <p:pic>
+        <p:nvPicPr>
+          <p:cNvPr id="4" name="Content Placeholder 3"/>
+          <p:cNvPicPr>
+            <a:picLocks noGrp="1" noChangeAspect="1"/>
+          </p:cNvPicPr>
           <p:nvPr>
             <p:ph idx="1"/>
           </p:nvPr>
-        </p:nvSpPr>
-        <p:spPr/>
-        <p:txBody>
-          <a:bodyPr>
-            <a:normAutofit/>
+        </p:nvPicPr>
+        <p:blipFill rotWithShape="1">
+          <a:blip r:embed="rId2"/>
+          <a:srcRect l="-2267" r="-2189" b="44195"/>
+          <a:stretch/>
+        </p:blipFill>
+        <p:spPr>
+          <a:xfrm>
+            <a:off x="156881" y="-1"/>
+            <a:ext cx="8524654" cy="5558119"/>
+          </a:xfrm>
+        </p:spPr>
+      </p:pic>
+      <p:sp>
+        <p:nvSpPr>
+          <p:cNvPr id="5" name="TextBox 4"/>
+          <p:cNvSpPr txBox="1"/>
+          <p:nvPr/>
+        </p:nvSpPr>
+        <p:spPr>
+          <a:xfrm>
+            <a:off x="4601883" y="3480230"/>
+            <a:ext cx="3377848" cy="954107"/>
+          </a:xfrm>
+          <a:prstGeom prst="rect">
+            <a:avLst/>
+          </a:prstGeom>
+          <a:noFill/>
+        </p:spPr>
+        <p:txBody>
+          <a:bodyPr wrap="none" rtlCol="0">
+            <a:spAutoFit/>
           </a:bodyPr>
           <a:lstStyle/>
           <a:p>
             <a:r>
-              <a:rPr lang="en-US" sz="3200" dirty="0" err="1" smtClean="0"/>
-              <a:t>PacBio</a:t>
-            </a:r>
-            <a:endParaRPr lang="en-US" sz="3200" dirty="0" smtClean="0"/>
-          </a:p>
-          <a:p>
-            <a:r>
-              <a:rPr lang="en-US" sz="3200" dirty="0" err="1" smtClean="0"/>
-              <a:t>Moleculo</a:t>
-            </a:r>
-            <a:endParaRPr lang="en-US" sz="3200" dirty="0" smtClean="0"/>
-          </a:p>
-          <a:p>
-            <a:r>
-              <a:rPr lang="en-US" sz="3200" dirty="0" err="1" smtClean="0"/>
-              <a:t>Nanopore</a:t>
-            </a:r>
-            <a:endParaRPr lang="en-US" sz="3200" dirty="0"/>
+              <a:rPr lang="en-US" sz="2800" dirty="0" smtClean="0"/>
+              <a:t>Mate-pair sequencing</a:t>
+            </a:r>
+          </a:p>
+          <a:p>
+            <a:r>
+              <a:rPr lang="en-US" sz="2800" dirty="0" smtClean="0"/>
+              <a:t>(long insert)</a:t>
+            </a:r>
+            <a:endParaRPr lang="en-US" sz="2800" dirty="0"/>
           </a:p>
         </p:txBody>
       </p:sp>
     </p:spTree>
     <p:extLst>
       <p:ext uri="{BB962C8B-B14F-4D97-AF65-F5344CB8AC3E}">
-        <p14:creationId xmlns:p14="http://schemas.microsoft.com/office/powerpoint/2010/main" val="678456823"/>
+        <p14:creationId xmlns:p14="http://schemas.microsoft.com/office/powerpoint/2010/main" val="581089326"/>
       </p:ext>
     </p:extLst>
   </p:cSld>
@@ -5363,75 +5352,72 @@
           <a:chExt cx="0" cy="0"/>
         </a:xfrm>
       </p:grpSpPr>
-      <p:pic>
-        <p:nvPicPr>
-          <p:cNvPr id="4" name="Content Placeholder 3"/>
-          <p:cNvPicPr>
-            <a:picLocks noGrp="1" noChangeAspect="1"/>
-          </p:cNvPicPr>
+      <p:sp>
+        <p:nvSpPr>
+          <p:cNvPr id="2" name="Title 1"/>
+          <p:cNvSpPr>
+            <a:spLocks noGrp="1"/>
+          </p:cNvSpPr>
+          <p:nvPr>
+            <p:ph type="title"/>
+          </p:nvPr>
+        </p:nvSpPr>
+        <p:spPr/>
+        <p:txBody>
+          <a:bodyPr/>
+          <a:lstStyle/>
+          <a:p>
+            <a:r>
+              <a:rPr lang="en-US" dirty="0" smtClean="0"/>
+              <a:t>Longer reads</a:t>
+            </a:r>
+            <a:endParaRPr lang="en-US" dirty="0"/>
+          </a:p>
+        </p:txBody>
+      </p:sp>
+      <p:sp>
+        <p:nvSpPr>
+          <p:cNvPr id="3" name="Content Placeholder 2"/>
+          <p:cNvSpPr>
+            <a:spLocks noGrp="1"/>
+          </p:cNvSpPr>
           <p:nvPr>
             <p:ph idx="1"/>
           </p:nvPr>
-        </p:nvPicPr>
-        <p:blipFill>
-          <a:blip r:embed="rId2"/>
-          <a:srcRect t="8000" b="8000"/>
-          <a:stretch>
-            <a:fillRect/>
-          </a:stretch>
-        </p:blipFill>
-        <p:spPr>
-          <a:xfrm>
-            <a:off x="457200" y="453973"/>
-            <a:ext cx="7620000" cy="4800600"/>
-          </a:xfrm>
-        </p:spPr>
-      </p:pic>
-      <p:sp>
-        <p:nvSpPr>
-          <p:cNvPr id="5" name="Rectangle 4"/>
-          <p:cNvSpPr/>
-          <p:nvPr/>
-        </p:nvSpPr>
-        <p:spPr>
-          <a:xfrm>
-            <a:off x="3785335" y="6187349"/>
-            <a:ext cx="4113438" cy="369332"/>
-          </a:xfrm>
-          <a:prstGeom prst="rect">
-            <a:avLst/>
-          </a:prstGeom>
-        </p:spPr>
-        <p:txBody>
-          <a:bodyPr wrap="none">
-            <a:spAutoFit/>
+        </p:nvSpPr>
+        <p:spPr/>
+        <p:txBody>
+          <a:bodyPr>
+            <a:normAutofit/>
           </a:bodyPr>
           <a:lstStyle/>
           <a:p>
             <a:r>
-              <a:rPr lang="en-US" dirty="0" smtClean="0"/>
-              <a:t>http://</a:t>
-            </a:r>
-            <a:r>
-              <a:rPr lang="en-US" dirty="0" err="1" smtClean="0"/>
-              <a:t>www.melanieswan.com</a:t>
-            </a:r>
-            <a:r>
-              <a:rPr lang="en-US" dirty="0" smtClean="0"/>
-              <a:t>/</a:t>
-            </a:r>
-            <a:r>
-              <a:rPr lang="en-US" dirty="0" err="1" smtClean="0"/>
-              <a:t>FOLS.html</a:t>
-            </a:r>
-            <a:endParaRPr lang="en-US" dirty="0"/>
+              <a:rPr lang="en-US" sz="3200" dirty="0" err="1" smtClean="0"/>
+              <a:t>PacBio</a:t>
+            </a:r>
+            <a:endParaRPr lang="en-US" sz="3200" dirty="0" smtClean="0"/>
+          </a:p>
+          <a:p>
+            <a:r>
+              <a:rPr lang="en-US" sz="3200" dirty="0" err="1" smtClean="0"/>
+              <a:t>Moleculo</a:t>
+            </a:r>
+            <a:endParaRPr lang="en-US" sz="3200" dirty="0" smtClean="0"/>
+          </a:p>
+          <a:p>
+            <a:r>
+              <a:rPr lang="en-US" sz="3200" dirty="0" err="1" smtClean="0"/>
+              <a:t>Nanopore</a:t>
+            </a:r>
+            <a:endParaRPr lang="en-US" sz="3200" dirty="0"/>
           </a:p>
         </p:txBody>
       </p:sp>
     </p:spTree>
     <p:extLst>
       <p:ext uri="{BB962C8B-B14F-4D97-AF65-F5344CB8AC3E}">
-        <p14:creationId xmlns:p14="http://schemas.microsoft.com/office/powerpoint/2010/main" val="1851269265"/>
+        <p14:creationId xmlns:p14="http://schemas.microsoft.com/office/powerpoint/2010/main" val="678456823"/>
       </p:ext>
     </p:extLst>
   </p:cSld>
@@ -5465,33 +5451,6 @@
           <a:chExt cx="0" cy="0"/>
         </a:xfrm>
       </p:grpSpPr>
-      <p:sp>
-        <p:nvSpPr>
-          <p:cNvPr id="2" name="Title 1"/>
-          <p:cNvSpPr>
-            <a:spLocks noGrp="1"/>
-          </p:cNvSpPr>
-          <p:nvPr>
-            <p:ph type="title"/>
-          </p:nvPr>
-        </p:nvSpPr>
-        <p:spPr/>
-        <p:txBody>
-          <a:bodyPr/>
-          <a:lstStyle/>
-          <a:p>
-            <a:r>
-              <a:rPr lang="en-US" dirty="0" err="1" smtClean="0"/>
-              <a:t>Moleculo</a:t>
-            </a:r>
-            <a:r>
-              <a:rPr lang="en-US" dirty="0" smtClean="0"/>
-              <a:t> (Illumina)</a:t>
-            </a:r>
-            <a:endParaRPr lang="en-US" dirty="0"/>
-          </a:p>
-        </p:txBody>
-      </p:sp>
       <p:pic>
         <p:nvPicPr>
           <p:cNvPr id="4" name="Content Placeholder 3"/>
@@ -5504,12 +5463,17 @@
         </p:nvPicPr>
         <p:blipFill>
           <a:blip r:embed="rId2"/>
-          <a:srcRect l="-9473" r="-9473"/>
+          <a:srcRect t="8000" b="8000"/>
           <a:stretch>
             <a:fillRect/>
           </a:stretch>
         </p:blipFill>
-        <p:spPr/>
+        <p:spPr>
+          <a:xfrm>
+            <a:off x="457200" y="453973"/>
+            <a:ext cx="7620000" cy="4800600"/>
+          </a:xfrm>
+        </p:spPr>
       </p:pic>
       <p:sp>
         <p:nvSpPr>
@@ -5519,39 +5483,43 @@
         </p:nvSpPr>
         <p:spPr>
           <a:xfrm>
-            <a:off x="1030273" y="6581001"/>
-            <a:ext cx="7998338" cy="276999"/>
+            <a:off x="3785335" y="6187349"/>
+            <a:ext cx="4113438" cy="369332"/>
           </a:xfrm>
           <a:prstGeom prst="rect">
             <a:avLst/>
           </a:prstGeom>
         </p:spPr>
         <p:txBody>
-          <a:bodyPr wrap="square">
+          <a:bodyPr wrap="none">
             <a:spAutoFit/>
           </a:bodyPr>
           <a:lstStyle/>
           <a:p>
             <a:r>
-              <a:rPr lang="en-US" sz="1200" dirty="0" smtClean="0"/>
+              <a:rPr lang="en-US" dirty="0" smtClean="0"/>
               <a:t>http://</a:t>
             </a:r>
             <a:r>
-              <a:rPr lang="en-US" sz="1200" dirty="0" err="1" smtClean="0"/>
-              <a:t>nextgenseek.com</a:t>
-            </a:r>
-            <a:r>
-              <a:rPr lang="en-US" sz="1200" dirty="0" smtClean="0"/>
-              <a:t>/2013/07/illumina-announces-moleculo-long-read-technology-and-phasing-as-service/</a:t>
-            </a:r>
-            <a:endParaRPr lang="en-US" sz="1200" dirty="0"/>
+              <a:rPr lang="en-US" dirty="0" err="1" smtClean="0"/>
+              <a:t>www.melanieswan.com</a:t>
+            </a:r>
+            <a:r>
+              <a:rPr lang="en-US" dirty="0" smtClean="0"/>
+              <a:t>/</a:t>
+            </a:r>
+            <a:r>
+              <a:rPr lang="en-US" dirty="0" err="1" smtClean="0"/>
+              <a:t>FOLS.html</a:t>
+            </a:r>
+            <a:endParaRPr lang="en-US" dirty="0"/>
           </a:p>
         </p:txBody>
       </p:sp>
     </p:spTree>
     <p:extLst>
       <p:ext uri="{BB962C8B-B14F-4D97-AF65-F5344CB8AC3E}">
-        <p14:creationId xmlns:p14="http://schemas.microsoft.com/office/powerpoint/2010/main" val="3108511289"/>
+        <p14:creationId xmlns:p14="http://schemas.microsoft.com/office/powerpoint/2010/main" val="1851269265"/>
       </p:ext>
     </p:extLst>
   </p:cSld>
@@ -5585,6 +5553,33 @@
           <a:chExt cx="0" cy="0"/>
         </a:xfrm>
       </p:grpSpPr>
+      <p:sp>
+        <p:nvSpPr>
+          <p:cNvPr id="2" name="Title 1"/>
+          <p:cNvSpPr>
+            <a:spLocks noGrp="1"/>
+          </p:cNvSpPr>
+          <p:nvPr>
+            <p:ph type="title"/>
+          </p:nvPr>
+        </p:nvSpPr>
+        <p:spPr/>
+        <p:txBody>
+          <a:bodyPr/>
+          <a:lstStyle/>
+          <a:p>
+            <a:r>
+              <a:rPr lang="en-US" dirty="0" err="1" smtClean="0"/>
+              <a:t>Moleculo</a:t>
+            </a:r>
+            <a:r>
+              <a:rPr lang="en-US" dirty="0" smtClean="0"/>
+              <a:t> (Illumina)</a:t>
+            </a:r>
+            <a:endParaRPr lang="en-US" dirty="0"/>
+          </a:p>
+        </p:txBody>
+      </p:sp>
       <p:pic>
         <p:nvPicPr>
           <p:cNvPr id="4" name="Content Placeholder 3"/>
@@ -5597,17 +5592,12 @@
         </p:nvPicPr>
         <p:blipFill>
           <a:blip r:embed="rId2"/>
-          <a:srcRect l="-1955" r="-1955"/>
+          <a:srcRect l="-9473" r="-9473"/>
           <a:stretch>
             <a:fillRect/>
           </a:stretch>
         </p:blipFill>
-        <p:spPr>
-          <a:xfrm>
-            <a:off x="457200" y="263322"/>
-            <a:ext cx="7620000" cy="4800600"/>
-          </a:xfrm>
-        </p:spPr>
+        <p:spPr/>
       </p:pic>
       <p:sp>
         <p:nvSpPr>
@@ -5617,8 +5607,8 @@
         </p:nvSpPr>
         <p:spPr>
           <a:xfrm>
-            <a:off x="604050" y="5816507"/>
-            <a:ext cx="7353630" cy="369332"/>
+            <a:off x="1030273" y="6581001"/>
+            <a:ext cx="7998338" cy="276999"/>
           </a:xfrm>
           <a:prstGeom prst="rect">
             <a:avLst/>
@@ -5631,37 +5621,25 @@
           <a:lstStyle/>
           <a:p>
             <a:r>
-              <a:rPr lang="en-US" dirty="0" smtClean="0"/>
+              <a:rPr lang="en-US" sz="1200" dirty="0" smtClean="0"/>
               <a:t>http://</a:t>
             </a:r>
             <a:r>
-              <a:rPr lang="en-US" dirty="0" err="1" smtClean="0"/>
-              <a:t>labs.mcb.harvard.edu</a:t>
-            </a:r>
-            <a:r>
-              <a:rPr lang="en-US" dirty="0" smtClean="0"/>
-              <a:t>/</a:t>
-            </a:r>
-            <a:r>
-              <a:rPr lang="en-US" dirty="0" err="1" smtClean="0"/>
-              <a:t>branton</a:t>
-            </a:r>
-            <a:r>
-              <a:rPr lang="en-US" dirty="0" smtClean="0"/>
-              <a:t>/projects-</a:t>
-            </a:r>
-            <a:r>
-              <a:rPr lang="en-US" dirty="0" err="1" smtClean="0"/>
-              <a:t>NanoporeSequencing.htm</a:t>
-            </a:r>
-            <a:endParaRPr lang="en-US" dirty="0"/>
+              <a:rPr lang="en-US" sz="1200" dirty="0" err="1" smtClean="0"/>
+              <a:t>nextgenseek.com</a:t>
+            </a:r>
+            <a:r>
+              <a:rPr lang="en-US" sz="1200" dirty="0" smtClean="0"/>
+              <a:t>/2013/07/illumina-announces-moleculo-long-read-technology-and-phasing-as-service/</a:t>
+            </a:r>
+            <a:endParaRPr lang="en-US" sz="1200" dirty="0"/>
           </a:p>
         </p:txBody>
       </p:sp>
     </p:spTree>
     <p:extLst>
       <p:ext uri="{BB962C8B-B14F-4D97-AF65-F5344CB8AC3E}">
-        <p14:creationId xmlns:p14="http://schemas.microsoft.com/office/powerpoint/2010/main" val="1131696120"/>
+        <p14:creationId xmlns:p14="http://schemas.microsoft.com/office/powerpoint/2010/main" val="3108511289"/>
       </p:ext>
     </p:extLst>
   </p:cSld>
@@ -5695,130 +5673,40 @@
           <a:chExt cx="0" cy="0"/>
         </a:xfrm>
       </p:grpSpPr>
-      <p:sp>
-        <p:nvSpPr>
-          <p:cNvPr id="2" name="Title 1"/>
-          <p:cNvSpPr>
-            <a:spLocks noGrp="1"/>
-          </p:cNvSpPr>
-          <p:nvPr>
-            <p:ph type="title"/>
-          </p:nvPr>
-        </p:nvSpPr>
-        <p:spPr/>
-        <p:txBody>
-          <a:bodyPr/>
-          <a:lstStyle/>
-          <a:p>
-            <a:r>
-              <a:rPr lang="en-US" dirty="0"/>
-              <a:t>Actual yields</a:t>
-            </a:r>
-          </a:p>
-        </p:txBody>
-      </p:sp>
-      <p:sp>
-        <p:nvSpPr>
-          <p:cNvPr id="3" name="Content Placeholder 2"/>
-          <p:cNvSpPr>
-            <a:spLocks noGrp="1"/>
-          </p:cNvSpPr>
+      <p:pic>
+        <p:nvPicPr>
+          <p:cNvPr id="4" name="Content Placeholder 3"/>
+          <p:cNvPicPr>
+            <a:picLocks noGrp="1" noChangeAspect="1"/>
+          </p:cNvPicPr>
           <p:nvPr>
             <p:ph idx="1"/>
           </p:nvPr>
-        </p:nvSpPr>
-        <p:spPr/>
-        <p:txBody>
-          <a:bodyPr/>
-          <a:lstStyle/>
-          <a:p>
-            <a:r>
-              <a:rPr lang="en-US" dirty="0" err="1" smtClean="0"/>
-              <a:t>MiSeq</a:t>
-            </a:r>
-            <a:endParaRPr lang="en-US" dirty="0" smtClean="0"/>
-          </a:p>
-          <a:p>
-            <a:pPr lvl="1"/>
-            <a:r>
-              <a:rPr lang="en-US" dirty="0" smtClean="0"/>
-              <a:t>30 million reads per run</a:t>
-            </a:r>
-          </a:p>
-          <a:p>
-            <a:pPr lvl="1"/>
-            <a:r>
-              <a:rPr lang="en-US" dirty="0" smtClean="0"/>
-              <a:t>300 base paired-end reads</a:t>
-            </a:r>
-          </a:p>
-          <a:p>
-            <a:endParaRPr lang="en-US" dirty="0" smtClean="0"/>
-          </a:p>
-          <a:p>
-            <a:r>
-              <a:rPr lang="en-US" dirty="0" err="1" smtClean="0"/>
-              <a:t>HiSeq</a:t>
-            </a:r>
-            <a:r>
-              <a:rPr lang="en-US" dirty="0" smtClean="0"/>
-              <a:t> 2500 RR/X 10</a:t>
-            </a:r>
-          </a:p>
-          <a:p>
-            <a:pPr lvl="1"/>
-            <a:r>
-              <a:rPr lang="en-US" dirty="0" smtClean="0"/>
-              <a:t>6 billion reads per run</a:t>
-            </a:r>
-          </a:p>
-          <a:p>
-            <a:pPr lvl="1"/>
-            <a:r>
-              <a:rPr lang="en-US" dirty="0" smtClean="0"/>
-              <a:t>150 base paired-end reads</a:t>
-            </a:r>
-          </a:p>
-          <a:p>
-            <a:pPr lvl="1"/>
-            <a:endParaRPr lang="en-US" dirty="0"/>
-          </a:p>
-          <a:p>
-            <a:r>
-              <a:rPr lang="en-US" dirty="0" err="1" smtClean="0"/>
-              <a:t>PacBio</a:t>
-            </a:r>
-            <a:endParaRPr lang="en-US" dirty="0" smtClean="0"/>
-          </a:p>
-          <a:p>
-            <a:pPr lvl="1"/>
-            <a:r>
-              <a:rPr lang="en-US" dirty="0" smtClean="0"/>
-              <a:t>44,000 reads per run</a:t>
-            </a:r>
-          </a:p>
-          <a:p>
-            <a:pPr lvl="1"/>
-            <a:r>
-              <a:rPr lang="en-US" dirty="0" smtClean="0"/>
-              <a:t>8500 bp in length</a:t>
-            </a:r>
-          </a:p>
-          <a:p>
-            <a:endParaRPr lang="en-US" dirty="0"/>
-          </a:p>
-        </p:txBody>
-      </p:sp>
-      <p:sp>
-        <p:nvSpPr>
-          <p:cNvPr id="4" name="Rectangle 3"/>
+        </p:nvPicPr>
+        <p:blipFill>
+          <a:blip r:embed="rId2"/>
+          <a:srcRect l="-1955" r="-1955"/>
+          <a:stretch>
+            <a:fillRect/>
+          </a:stretch>
+        </p:blipFill>
+        <p:spPr>
+          <a:xfrm>
+            <a:off x="457200" y="263322"/>
+            <a:ext cx="7620000" cy="4800600"/>
+          </a:xfrm>
+        </p:spPr>
+      </p:pic>
+      <p:sp>
+        <p:nvSpPr>
+          <p:cNvPr id="5" name="Rectangle 4"/>
           <p:cNvSpPr/>
           <p:nvPr/>
         </p:nvSpPr>
         <p:spPr>
           <a:xfrm>
-            <a:off x="195058" y="5817413"/>
-            <a:ext cx="7882142" cy="646331"/>
+            <a:off x="604050" y="5816507"/>
+            <a:ext cx="7353630" cy="369332"/>
           </a:xfrm>
           <a:prstGeom prst="rect">
             <a:avLst/>
@@ -5836,11 +5724,23 @@
             </a:r>
             <a:r>
               <a:rPr lang="en-US" dirty="0" err="1" smtClean="0"/>
-              <a:t>flxlexblog.wordpress.com</a:t>
+              <a:t>labs.mcb.harvard.edu</a:t>
             </a:r>
             <a:r>
               <a:rPr lang="en-US" dirty="0" smtClean="0"/>
-              <a:t>/2014/06/11/developments-in-next-generation-sequencing-june-2014-edition/</a:t>
+              <a:t>/</a:t>
+            </a:r>
+            <a:r>
+              <a:rPr lang="en-US" dirty="0" err="1" smtClean="0"/>
+              <a:t>branton</a:t>
+            </a:r>
+            <a:r>
+              <a:rPr lang="en-US" dirty="0" smtClean="0"/>
+              <a:t>/projects-</a:t>
+            </a:r>
+            <a:r>
+              <a:rPr lang="en-US" dirty="0" err="1" smtClean="0"/>
+              <a:t>NanoporeSequencing.htm</a:t>
             </a:r>
             <a:endParaRPr lang="en-US" dirty="0"/>
           </a:p>
@@ -5849,7 +5749,7 @@
     </p:spTree>
     <p:extLst>
       <p:ext uri="{BB962C8B-B14F-4D97-AF65-F5344CB8AC3E}">
-        <p14:creationId xmlns:p14="http://schemas.microsoft.com/office/powerpoint/2010/main" val="155026549"/>
+        <p14:creationId xmlns:p14="http://schemas.microsoft.com/office/powerpoint/2010/main" val="1131696120"/>
       </p:ext>
     </p:extLst>
   </p:cSld>
@@ -5883,34 +5783,161 @@
           <a:chExt cx="0" cy="0"/>
         </a:xfrm>
       </p:grpSpPr>
-      <p:pic>
-        <p:nvPicPr>
-          <p:cNvPr id="7" name="Content Placeholder 6"/>
-          <p:cNvPicPr>
-            <a:picLocks noGrp="1" noChangeAspect="1"/>
-          </p:cNvPicPr>
+      <p:sp>
+        <p:nvSpPr>
+          <p:cNvPr id="2" name="Title 1"/>
+          <p:cNvSpPr>
+            <a:spLocks noGrp="1"/>
+          </p:cNvSpPr>
+          <p:nvPr>
+            <p:ph type="title"/>
+          </p:nvPr>
+        </p:nvSpPr>
+        <p:spPr/>
+        <p:txBody>
+          <a:bodyPr/>
+          <a:lstStyle/>
+          <a:p>
+            <a:r>
+              <a:rPr lang="en-US" dirty="0"/>
+              <a:t>Actual yields</a:t>
+            </a:r>
+          </a:p>
+        </p:txBody>
+      </p:sp>
+      <p:sp>
+        <p:nvSpPr>
+          <p:cNvPr id="3" name="Content Placeholder 2"/>
+          <p:cNvSpPr>
+            <a:spLocks noGrp="1"/>
+          </p:cNvSpPr>
           <p:nvPr>
             <p:ph idx="1"/>
           </p:nvPr>
-        </p:nvPicPr>
-        <p:blipFill>
-          <a:blip r:embed="rId2"/>
-          <a:srcRect l="-9524" r="-9524"/>
-          <a:stretch>
-            <a:fillRect/>
-          </a:stretch>
-        </p:blipFill>
+        </p:nvSpPr>
+        <p:spPr/>
+        <p:txBody>
+          <a:bodyPr/>
+          <a:lstStyle/>
+          <a:p>
+            <a:r>
+              <a:rPr lang="en-US" dirty="0" err="1" smtClean="0"/>
+              <a:t>MiSeq</a:t>
+            </a:r>
+            <a:endParaRPr lang="en-US" dirty="0" smtClean="0"/>
+          </a:p>
+          <a:p>
+            <a:pPr lvl="1"/>
+            <a:r>
+              <a:rPr lang="en-US" dirty="0" smtClean="0"/>
+              <a:t>30 million reads per run</a:t>
+            </a:r>
+          </a:p>
+          <a:p>
+            <a:pPr lvl="1"/>
+            <a:r>
+              <a:rPr lang="en-US" dirty="0" smtClean="0"/>
+              <a:t>300 base paired-end reads</a:t>
+            </a:r>
+          </a:p>
+          <a:p>
+            <a:endParaRPr lang="en-US" dirty="0" smtClean="0"/>
+          </a:p>
+          <a:p>
+            <a:r>
+              <a:rPr lang="en-US" dirty="0" err="1" smtClean="0"/>
+              <a:t>HiSeq</a:t>
+            </a:r>
+            <a:r>
+              <a:rPr lang="en-US" dirty="0" smtClean="0"/>
+              <a:t> 2500 RR/X 10</a:t>
+            </a:r>
+          </a:p>
+          <a:p>
+            <a:pPr lvl="1"/>
+            <a:r>
+              <a:rPr lang="en-US" dirty="0" smtClean="0"/>
+              <a:t>6 billion reads per run</a:t>
+            </a:r>
+          </a:p>
+          <a:p>
+            <a:pPr lvl="1"/>
+            <a:r>
+              <a:rPr lang="en-US" dirty="0" smtClean="0"/>
+              <a:t>150 base paired-end reads</a:t>
+            </a:r>
+          </a:p>
+          <a:p>
+            <a:pPr lvl="1"/>
+            <a:endParaRPr lang="en-US" dirty="0"/>
+          </a:p>
+          <a:p>
+            <a:r>
+              <a:rPr lang="en-US" dirty="0" err="1" smtClean="0"/>
+              <a:t>PacBio</a:t>
+            </a:r>
+            <a:endParaRPr lang="en-US" dirty="0" smtClean="0"/>
+          </a:p>
+          <a:p>
+            <a:pPr lvl="1"/>
+            <a:r>
+              <a:rPr lang="en-US" dirty="0" smtClean="0"/>
+              <a:t>44,000 reads per run</a:t>
+            </a:r>
+          </a:p>
+          <a:p>
+            <a:pPr lvl="1"/>
+            <a:r>
+              <a:rPr lang="en-US" dirty="0" smtClean="0"/>
+              <a:t>8500 bp in length</a:t>
+            </a:r>
+          </a:p>
+          <a:p>
+            <a:endParaRPr lang="en-US" dirty="0"/>
+          </a:p>
+        </p:txBody>
+      </p:sp>
+      <p:sp>
+        <p:nvSpPr>
+          <p:cNvPr id="4" name="Rectangle 3"/>
+          <p:cNvSpPr/>
+          <p:nvPr/>
+        </p:nvSpPr>
         <p:spPr>
           <a:xfrm>
-            <a:off x="-898691" y="0"/>
-            <a:ext cx="10911954" cy="6874531"/>
+            <a:off x="195058" y="5817413"/>
+            <a:ext cx="7882142" cy="646331"/>
           </a:xfrm>
+          <a:prstGeom prst="rect">
+            <a:avLst/>
+          </a:prstGeom>
         </p:spPr>
-      </p:pic>
+        <p:txBody>
+          <a:bodyPr wrap="square">
+            <a:spAutoFit/>
+          </a:bodyPr>
+          <a:lstStyle/>
+          <a:p>
+            <a:r>
+              <a:rPr lang="en-US" dirty="0" smtClean="0"/>
+              <a:t>http://</a:t>
+            </a:r>
+            <a:r>
+              <a:rPr lang="en-US" dirty="0" err="1" smtClean="0"/>
+              <a:t>flxlexblog.wordpress.com</a:t>
+            </a:r>
+            <a:r>
+              <a:rPr lang="en-US" dirty="0" smtClean="0"/>
+              <a:t>/2014/06/11/developments-in-next-generation-sequencing-june-2014-edition/</a:t>
+            </a:r>
+            <a:endParaRPr lang="en-US" dirty="0"/>
+          </a:p>
+        </p:txBody>
+      </p:sp>
     </p:spTree>
     <p:extLst>
       <p:ext uri="{BB962C8B-B14F-4D97-AF65-F5344CB8AC3E}">
-        <p14:creationId xmlns:p14="http://schemas.microsoft.com/office/powerpoint/2010/main" val="193698541"/>
+        <p14:creationId xmlns:p14="http://schemas.microsoft.com/office/powerpoint/2010/main" val="155026549"/>
       </p:ext>
     </p:extLst>
   </p:cSld>
@@ -6073,153 +6100,34 @@
           <a:chExt cx="0" cy="0"/>
         </a:xfrm>
       </p:grpSpPr>
-      <p:sp>
-        <p:nvSpPr>
-          <p:cNvPr id="2" name="Title 1"/>
-          <p:cNvSpPr>
-            <a:spLocks noGrp="1"/>
-          </p:cNvSpPr>
-          <p:nvPr>
-            <p:ph type="title"/>
-          </p:nvPr>
-        </p:nvSpPr>
-        <p:spPr/>
-        <p:txBody>
-          <a:bodyPr/>
-          <a:lstStyle/>
-          <a:p>
-            <a:r>
-              <a:rPr lang="en-US" dirty="0" smtClean="0"/>
-              <a:t>Your basic data (FASTQ)</a:t>
-            </a:r>
-            <a:endParaRPr lang="en-US" dirty="0"/>
-          </a:p>
-        </p:txBody>
-      </p:sp>
-      <p:sp>
-        <p:nvSpPr>
-          <p:cNvPr id="5" name="Content Placeholder 4"/>
-          <p:cNvSpPr>
-            <a:spLocks noGrp="1"/>
-          </p:cNvSpPr>
+      <p:pic>
+        <p:nvPicPr>
+          <p:cNvPr id="7" name="Content Placeholder 6"/>
+          <p:cNvPicPr>
+            <a:picLocks noGrp="1" noChangeAspect="1"/>
+          </p:cNvPicPr>
           <p:nvPr>
             <p:ph idx="1"/>
           </p:nvPr>
-        </p:nvSpPr>
-        <p:spPr/>
-        <p:txBody>
-          <a:bodyPr>
-            <a:normAutofit lnSpcReduction="10000"/>
-          </a:bodyPr>
-          <a:lstStyle/>
-          <a:p>
-            <a:r>
-              <a:rPr lang="en-US" dirty="0"/>
-              <a:t>@895:1:1:1246:14654/1</a:t>
-            </a:r>
-          </a:p>
-          <a:p>
-            <a:r>
-              <a:rPr lang="en-US" dirty="0"/>
-              <a:t>CAGGCGCCCACCACCGTGCCCTCCAACCTGATGGT</a:t>
-            </a:r>
-          </a:p>
-          <a:p>
-            <a:r>
-              <a:rPr lang="en-US" dirty="0"/>
-              <a:t>+</a:t>
-            </a:r>
-          </a:p>
-          <a:p>
-            <a:r>
-              <a:rPr lang="en-US" dirty="0"/>
-              <a:t>][</a:t>
-            </a:r>
-            <a:r>
-              <a:rPr lang="en-US" dirty="0" err="1"/>
-              <a:t>aaX</a:t>
-            </a:r>
-            <a:r>
-              <a:rPr lang="en-US" dirty="0"/>
-              <a:t>__</a:t>
-            </a:r>
-            <a:r>
-              <a:rPr lang="en-US" dirty="0" err="1"/>
-              <a:t>aa</a:t>
-            </a:r>
-            <a:r>
-              <a:rPr lang="en-US" dirty="0"/>
-              <a:t>[`ZUZ[NONNFNNNNNO_____^RQ_</a:t>
-            </a:r>
-          </a:p>
-          <a:p>
-            <a:r>
-              <a:rPr lang="en-US" dirty="0" smtClean="0"/>
-              <a:t>@</a:t>
-            </a:r>
-            <a:r>
-              <a:rPr lang="en-US" dirty="0"/>
-              <a:t>895:1:1:1246:14654</a:t>
-            </a:r>
-            <a:r>
-              <a:rPr lang="en-US" dirty="0" smtClean="0"/>
-              <a:t>/</a:t>
-            </a:r>
-            <a:r>
-              <a:rPr lang="en-US" dirty="0"/>
-              <a:t>2</a:t>
-            </a:r>
-            <a:endParaRPr lang="en-US" dirty="0" smtClean="0"/>
-          </a:p>
-          <a:p>
-            <a:r>
-              <a:rPr lang="en-US" dirty="0" smtClean="0"/>
-              <a:t>ACTGGGCGTAGACGGTGTCCTCATCGGCACCAGC</a:t>
-            </a:r>
-            <a:endParaRPr lang="en-US" dirty="0"/>
-          </a:p>
-          <a:p>
-            <a:r>
-              <a:rPr lang="en-US" dirty="0"/>
-              <a:t>+</a:t>
-            </a:r>
-          </a:p>
-          <a:p>
-            <a:r>
-              <a:rPr lang="en-US" dirty="0"/>
-              <a:t>\UJUWSSV[JQQWNP]]SZ]ZWU^]ZX][^TXR`</a:t>
-            </a:r>
-          </a:p>
-          <a:p>
-            <a:r>
-              <a:rPr lang="en-US" dirty="0"/>
-              <a:t>@895:1:1:1252:19493/1</a:t>
-            </a:r>
-          </a:p>
-          <a:p>
-            <a:r>
-              <a:rPr lang="en-US" dirty="0"/>
-              <a:t>CCGGCGTGGTTGGTGAGGTCACTGAGCTTCATGTC</a:t>
-            </a:r>
-          </a:p>
-          <a:p>
-            <a:r>
-              <a:rPr lang="en-US" dirty="0"/>
-              <a:t>+</a:t>
-            </a:r>
-          </a:p>
-          <a:p>
-            <a:r>
-              <a:rPr lang="en-US" dirty="0"/>
-              <a:t>OOOKONNNNN__`R]O[TGTRSY[IUZ]]]__X__</a:t>
-            </a:r>
-          </a:p>
-        </p:txBody>
-      </p:sp>
+        </p:nvPicPr>
+        <p:blipFill>
+          <a:blip r:embed="rId2"/>
+          <a:srcRect l="-9524" r="-9524"/>
+          <a:stretch>
+            <a:fillRect/>
+          </a:stretch>
+        </p:blipFill>
+        <p:spPr>
+          <a:xfrm>
+            <a:off x="-898691" y="0"/>
+            <a:ext cx="10911954" cy="6874531"/>
+          </a:xfrm>
+        </p:spPr>
+      </p:pic>
     </p:spTree>
     <p:extLst>
       <p:ext uri="{BB962C8B-B14F-4D97-AF65-F5344CB8AC3E}">
-        <p14:creationId xmlns:p14="http://schemas.microsoft.com/office/powerpoint/2010/main" val="2777523697"/>
+        <p14:creationId xmlns:p14="http://schemas.microsoft.com/office/powerpoint/2010/main" val="193698541"/>
       </p:ext>
     </p:extLst>
   </p:cSld>
@@ -6270,39 +6178,15 @@
           <a:p>
             <a:r>
               <a:rPr lang="en-US" dirty="0" smtClean="0"/>
-              <a:t>Mapping</a:t>
+              <a:t>Your basic data (FASTQ)</a:t>
             </a:r>
             <a:endParaRPr lang="en-US" dirty="0"/>
           </a:p>
         </p:txBody>
       </p:sp>
-      <p:pic>
-        <p:nvPicPr>
-          <p:cNvPr id="4" name="Picture 3"/>
-          <p:cNvPicPr>
-            <a:picLocks noChangeAspect="1"/>
-          </p:cNvPicPr>
-          <p:nvPr/>
-        </p:nvPicPr>
-        <p:blipFill>
-          <a:blip r:embed="rId2"/>
-          <a:stretch>
-            <a:fillRect/>
-          </a:stretch>
-        </p:blipFill>
-        <p:spPr>
-          <a:xfrm>
-            <a:off x="1690718" y="1777560"/>
-            <a:ext cx="3810000" cy="2895600"/>
-          </a:xfrm>
-          <a:prstGeom prst="rect">
-            <a:avLst/>
-          </a:prstGeom>
-        </p:spPr>
-      </p:pic>
-      <p:sp>
-        <p:nvSpPr>
-          <p:cNvPr id="5" name="Content Placeholder 2"/>
+      <p:sp>
+        <p:nvSpPr>
+          <p:cNvPr id="5" name="Content Placeholder 4"/>
           <p:cNvSpPr>
             <a:spLocks noGrp="1"/>
           </p:cNvSpPr>
@@ -6310,79 +6194,120 @@
             <p:ph idx="1"/>
           </p:nvPr>
         </p:nvSpPr>
-        <p:spPr>
-          <a:xfrm>
-            <a:off x="570218" y="4881600"/>
-            <a:ext cx="7832421" cy="1781089"/>
-          </a:xfrm>
-        </p:spPr>
+        <p:spPr/>
         <p:txBody>
           <a:bodyPr>
-            <a:normAutofit/>
+            <a:normAutofit lnSpcReduction="10000"/>
           </a:bodyPr>
           <a:lstStyle/>
           <a:p>
             <a:r>
+              <a:rPr lang="en-US" dirty="0"/>
+              <a:t>@895:1:1:1246:14654/1</a:t>
+            </a:r>
+          </a:p>
+          <a:p>
+            <a:r>
+              <a:rPr lang="en-US" dirty="0"/>
+              <a:t>CAGGCGCCCACCACCGTGCCCTCCAACCTGATGGT</a:t>
+            </a:r>
+          </a:p>
+          <a:p>
+            <a:r>
+              <a:rPr lang="en-US" dirty="0"/>
+              <a:t>+</a:t>
+            </a:r>
+          </a:p>
+          <a:p>
+            <a:r>
+              <a:rPr lang="en-US" dirty="0"/>
+              <a:t>][</a:t>
+            </a:r>
+            <a:r>
+              <a:rPr lang="en-US" dirty="0" err="1"/>
+              <a:t>aaX</a:t>
+            </a:r>
+            <a:r>
+              <a:rPr lang="en-US" dirty="0"/>
+              <a:t>__</a:t>
+            </a:r>
+            <a:r>
+              <a:rPr lang="en-US" dirty="0" err="1"/>
+              <a:t>aa</a:t>
+            </a:r>
+            <a:r>
+              <a:rPr lang="en-US" dirty="0"/>
+              <a:t>[`ZUZ[NONNFNNNNNO_____^RQ_</a:t>
+            </a:r>
+          </a:p>
+          <a:p>
+            <a:r>
               <a:rPr lang="en-US" dirty="0" smtClean="0"/>
-              <a:t>Many fast &amp; efficient computational solutions exist.</a:t>
-            </a:r>
-          </a:p>
-          <a:p>
+              <a:t>@</a:t>
+            </a:r>
+            <a:r>
+              <a:rPr lang="en-US" dirty="0"/>
+              <a:t>895:1:1:1246:14654</a:t>
+            </a:r>
             <a:r>
               <a:rPr lang="en-US" dirty="0" smtClean="0"/>
-              <a:t>You have to figure out how to choose parameters to maximize sensitivity/specificity, and when to validate.</a:t>
+              <a:t>/</a:t>
+            </a:r>
+            <a:r>
+              <a:rPr lang="en-US" dirty="0"/>
+              <a:t>2</a:t>
+            </a:r>
+            <a:endParaRPr lang="en-US" dirty="0" smtClean="0"/>
+          </a:p>
+          <a:p>
+            <a:r>
+              <a:rPr lang="en-US" dirty="0" smtClean="0"/>
+              <a:t>ACTGGGCGTAGACGGTGTCCTCATCGGCACCAGC</a:t>
             </a:r>
             <a:endParaRPr lang="en-US" dirty="0"/>
           </a:p>
-        </p:txBody>
-      </p:sp>
-      <p:sp>
-        <p:nvSpPr>
-          <p:cNvPr id="6" name="Rectangle 5"/>
-          <p:cNvSpPr/>
-          <p:nvPr/>
-        </p:nvSpPr>
-        <p:spPr>
-          <a:xfrm>
-            <a:off x="5598920" y="3352320"/>
-            <a:ext cx="3087880" cy="461665"/>
-          </a:xfrm>
-          <a:prstGeom prst="rect">
-            <a:avLst/>
-          </a:prstGeom>
-        </p:spPr>
-        <p:txBody>
-          <a:bodyPr wrap="none">
-            <a:spAutoFit/>
-          </a:bodyPr>
-          <a:lstStyle/>
-          <a:p>
-            <a:r>
-              <a:rPr lang="en-US" sz="1200" dirty="0" smtClean="0"/>
-              <a:t>U. Colorado</a:t>
-            </a:r>
-          </a:p>
-          <a:p>
-            <a:r>
-              <a:rPr lang="en-US" sz="1200" dirty="0" smtClean="0"/>
-              <a:t>http://genomics-</a:t>
-            </a:r>
-            <a:r>
-              <a:rPr lang="en-US" sz="1200" dirty="0" err="1" smtClean="0"/>
-              <a:t>course.jasondk.org/?p</a:t>
-            </a:r>
-            <a:r>
-              <a:rPr lang="en-US" sz="1200" dirty="0" smtClean="0"/>
-              <a:t>=395</a:t>
-            </a:r>
-            <a:endParaRPr lang="en-US" sz="1200" dirty="0"/>
+          <a:p>
+            <a:r>
+              <a:rPr lang="en-US" dirty="0"/>
+              <a:t>+</a:t>
+            </a:r>
+          </a:p>
+          <a:p>
+            <a:r>
+              <a:rPr lang="en-US" dirty="0"/>
+              <a:t>\UJUWSSV[JQQWNP]]SZ]ZWU^]ZX][^TXR`</a:t>
+            </a:r>
+          </a:p>
+          <a:p>
+            <a:r>
+              <a:rPr lang="en-US" dirty="0"/>
+              <a:t>@895:1:1:1252:19493/1</a:t>
+            </a:r>
+          </a:p>
+          <a:p>
+            <a:r>
+              <a:rPr lang="en-US" dirty="0"/>
+              <a:t>CCGGCGTGGTTGGTGAGGTCACTGAGCTTCATGTC</a:t>
+            </a:r>
+          </a:p>
+          <a:p>
+            <a:r>
+              <a:rPr lang="en-US" dirty="0"/>
+              <a:t>+</a:t>
+            </a:r>
+          </a:p>
+          <a:p>
+            <a:r>
+              <a:rPr lang="en-US" dirty="0"/>
+              <a:t>OOOKONNNNN__`R]O[TGTRSY[IUZ]]]__X__</a:t>
+            </a:r>
           </a:p>
         </p:txBody>
       </p:sp>
     </p:spTree>
     <p:extLst>
       <p:ext uri="{BB962C8B-B14F-4D97-AF65-F5344CB8AC3E}">
-        <p14:creationId xmlns:p14="http://schemas.microsoft.com/office/powerpoint/2010/main" val="2946452640"/>
+        <p14:creationId xmlns:p14="http://schemas.microsoft.com/office/powerpoint/2010/main" val="2777523697"/>
       </p:ext>
     </p:extLst>
   </p:cSld>
@@ -6428,45 +6353,14 @@
         </p:nvSpPr>
         <p:spPr/>
         <p:txBody>
-          <a:bodyPr>
-            <a:normAutofit/>
-          </a:bodyPr>
+          <a:bodyPr/>
           <a:lstStyle/>
           <a:p>
             <a:r>
               <a:rPr lang="en-US" dirty="0" smtClean="0"/>
-              <a:t>Assembly</a:t>
+              <a:t>Mapping</a:t>
             </a:r>
             <a:endParaRPr lang="en-US" dirty="0"/>
-          </a:p>
-        </p:txBody>
-      </p:sp>
-      <p:sp>
-        <p:nvSpPr>
-          <p:cNvPr id="3" name="Content Placeholder 2"/>
-          <p:cNvSpPr>
-            <a:spLocks noGrp="1"/>
-          </p:cNvSpPr>
-          <p:nvPr>
-            <p:ph sz="quarter" idx="1"/>
-          </p:nvPr>
-        </p:nvSpPr>
-        <p:spPr/>
-        <p:txBody>
-          <a:bodyPr/>
-          <a:lstStyle/>
-          <a:p>
-            <a:pPr algn="ctr">
-              <a:buNone/>
-            </a:pPr>
-            <a:r>
-              <a:rPr lang="en-US" dirty="0"/>
-              <a:t>R</a:t>
-            </a:r>
-            <a:r>
-              <a:rPr lang="en-US" dirty="0" smtClean="0"/>
-              <a:t>eassemble random fragments computationally.</a:t>
-            </a:r>
           </a:p>
         </p:txBody>
       </p:sp>
@@ -6486,8 +6380,8 @@
         </p:blipFill>
         <p:spPr>
           <a:xfrm>
-            <a:off x="694050" y="2920985"/>
-            <a:ext cx="7898892" cy="2906792"/>
+            <a:off x="1690718" y="1777560"/>
+            <a:ext cx="3810000" cy="2895600"/>
           </a:xfrm>
           <a:prstGeom prst="rect">
             <a:avLst/>
@@ -6496,46 +6390,87 @@
       </p:pic>
       <p:sp>
         <p:nvSpPr>
-          <p:cNvPr id="5" name="TextBox 4"/>
-          <p:cNvSpPr txBox="1"/>
-          <p:nvPr/>
+          <p:cNvPr id="5" name="Content Placeholder 2"/>
+          <p:cNvSpPr>
+            <a:spLocks noGrp="1"/>
+          </p:cNvSpPr>
+          <p:nvPr>
+            <p:ph idx="1"/>
+          </p:nvPr>
         </p:nvSpPr>
         <p:spPr>
           <a:xfrm>
-            <a:off x="4437633" y="5888260"/>
-            <a:ext cx="3796720" cy="369332"/>
+            <a:off x="570218" y="4881600"/>
+            <a:ext cx="7832421" cy="1781089"/>
+          </a:xfrm>
+        </p:spPr>
+        <p:txBody>
+          <a:bodyPr>
+            <a:normAutofit/>
+          </a:bodyPr>
+          <a:lstStyle/>
+          <a:p>
+            <a:r>
+              <a:rPr lang="en-US" dirty="0" smtClean="0"/>
+              <a:t>Many fast &amp; efficient computational solutions exist.</a:t>
+            </a:r>
+          </a:p>
+          <a:p>
+            <a:r>
+              <a:rPr lang="en-US" dirty="0" smtClean="0"/>
+              <a:t>You have to figure out how to choose parameters to maximize sensitivity/specificity, and when to validate.</a:t>
+            </a:r>
+            <a:endParaRPr lang="en-US" dirty="0"/>
+          </a:p>
+        </p:txBody>
+      </p:sp>
+      <p:sp>
+        <p:nvSpPr>
+          <p:cNvPr id="6" name="Rectangle 5"/>
+          <p:cNvSpPr/>
+          <p:nvPr/>
+        </p:nvSpPr>
+        <p:spPr>
+          <a:xfrm>
+            <a:off x="5598920" y="3352320"/>
+            <a:ext cx="3087880" cy="461665"/>
           </a:xfrm>
           <a:prstGeom prst="rect">
             <a:avLst/>
           </a:prstGeom>
-          <a:noFill/>
         </p:spPr>
         <p:txBody>
-          <a:bodyPr wrap="none" rtlCol="0">
+          <a:bodyPr wrap="none">
             <a:spAutoFit/>
           </a:bodyPr>
           <a:lstStyle/>
           <a:p>
             <a:r>
-              <a:rPr lang="en-US" dirty="0" smtClean="0"/>
-              <a:t>UMD assembly primer (</a:t>
-            </a:r>
-            <a:r>
-              <a:rPr lang="en-US" dirty="0" err="1" smtClean="0"/>
-              <a:t>cbcb.umd.edu</a:t>
-            </a:r>
-            <a:r>
-              <a:rPr lang="en-US" dirty="0" smtClean="0"/>
-              <a:t>)</a:t>
-            </a:r>
-            <a:endParaRPr lang="en-US" dirty="0"/>
+              <a:rPr lang="en-US" sz="1200" dirty="0" smtClean="0"/>
+              <a:t>U. Colorado</a:t>
+            </a:r>
+          </a:p>
+          <a:p>
+            <a:r>
+              <a:rPr lang="en-US" sz="1200" dirty="0" smtClean="0"/>
+              <a:t>http://genomics-</a:t>
+            </a:r>
+            <a:r>
+              <a:rPr lang="en-US" sz="1200" dirty="0" err="1" smtClean="0"/>
+              <a:t>course.jasondk.org/?p</a:t>
+            </a:r>
+            <a:r>
+              <a:rPr lang="en-US" sz="1200" dirty="0" smtClean="0"/>
+              <a:t>=395</a:t>
+            </a:r>
+            <a:endParaRPr lang="en-US" sz="1200" dirty="0"/>
           </a:p>
         </p:txBody>
       </p:sp>
     </p:spTree>
     <p:extLst>
       <p:ext uri="{BB962C8B-B14F-4D97-AF65-F5344CB8AC3E}">
-        <p14:creationId xmlns:p14="http://schemas.microsoft.com/office/powerpoint/2010/main" val="1880684934"/>
+        <p14:creationId xmlns:p14="http://schemas.microsoft.com/office/powerpoint/2010/main" val="2946452640"/>
       </p:ext>
     </p:extLst>
   </p:cSld>
@@ -6588,7 +6523,7 @@
           <a:p>
             <a:r>
               <a:rPr lang="en-US" dirty="0" smtClean="0"/>
-              <a:t>Shotgun sequencing</a:t>
+              <a:t>Assembly</a:t>
             </a:r>
             <a:endParaRPr lang="en-US" dirty="0"/>
           </a:p>
@@ -6601,139 +6536,94 @@
             <a:spLocks noGrp="1"/>
           </p:cNvSpPr>
           <p:nvPr>
-            <p:ph idx="1"/>
+            <p:ph sz="quarter" idx="1"/>
           </p:nvPr>
         </p:nvSpPr>
         <p:spPr/>
         <p:txBody>
-          <a:bodyPr>
-            <a:normAutofit/>
-          </a:bodyPr>
+          <a:bodyPr/>
           <a:lstStyle/>
           <a:p>
             <a:pPr algn="ctr">
               <a:buNone/>
             </a:pPr>
             <a:r>
-              <a:rPr lang="en-US" sz="2400" dirty="0" smtClean="0"/>
-              <a:t>It was the best of times, it was the </a:t>
-            </a:r>
-            <a:r>
-              <a:rPr lang="en-US" sz="2400" dirty="0" err="1" smtClean="0"/>
-              <a:t>wor</a:t>
-            </a:r>
-            <a:endParaRPr lang="en-US" sz="2400" dirty="0" smtClean="0"/>
-          </a:p>
-          <a:p>
-            <a:pPr algn="ctr">
-              <a:buNone/>
-            </a:pPr>
-            <a:r>
-              <a:rPr lang="en-US" sz="2400" dirty="0" smtClean="0"/>
-              <a:t>, it was the worst of times, it was the </a:t>
-            </a:r>
-          </a:p>
-          <a:p>
-            <a:pPr algn="ctr">
-              <a:buNone/>
-            </a:pPr>
-            <a:r>
-              <a:rPr lang="en-US" sz="2400" dirty="0" err="1" smtClean="0"/>
-              <a:t>isdom</a:t>
-            </a:r>
-            <a:r>
-              <a:rPr lang="en-US" sz="2400" dirty="0" smtClean="0"/>
-              <a:t>, it was the age of foolishness</a:t>
-            </a:r>
-          </a:p>
-          <a:p>
-            <a:pPr algn="ctr">
-              <a:buNone/>
-            </a:pPr>
-            <a:r>
-              <a:rPr lang="en-US" sz="2400" dirty="0" err="1" smtClean="0"/>
-              <a:t>mes</a:t>
-            </a:r>
-            <a:r>
-              <a:rPr lang="en-US" sz="2400" dirty="0" smtClean="0"/>
-              <a:t>, it was the age of wisdom, it was </a:t>
-            </a:r>
-            <a:r>
-              <a:rPr lang="en-US" sz="2400" dirty="0" err="1" smtClean="0"/>
-              <a:t>th</a:t>
-            </a:r>
-            <a:endParaRPr lang="en-US" sz="2400" dirty="0" smtClean="0"/>
-          </a:p>
-          <a:p>
-            <a:pPr algn="ctr">
-              <a:buNone/>
-            </a:pPr>
-            <a:endParaRPr lang="en-US" sz="2400" dirty="0" smtClean="0"/>
-          </a:p>
-          <a:p>
-            <a:pPr algn="ctr">
-              <a:buNone/>
-            </a:pPr>
-            <a:endParaRPr lang="en-US" sz="2400" dirty="0"/>
-          </a:p>
-          <a:p>
-            <a:pPr algn="ctr">
-              <a:buNone/>
-            </a:pPr>
-            <a:endParaRPr lang="en-US" sz="2400" dirty="0" smtClean="0"/>
-          </a:p>
-          <a:p>
-            <a:pPr algn="ctr">
-              <a:buNone/>
-            </a:pPr>
-            <a:r>
-              <a:rPr lang="en-US" sz="2400" dirty="0"/>
-              <a:t>It was the best of times, it was the worst of times, it was the age of wisdom, it was the age of foolishness</a:t>
-            </a:r>
-          </a:p>
-          <a:p>
-            <a:pPr algn="ctr">
-              <a:buNone/>
-            </a:pPr>
-            <a:endParaRPr lang="en-US" sz="2400" dirty="0" smtClean="0"/>
-          </a:p>
-        </p:txBody>
-      </p:sp>
-      <p:sp>
-        <p:nvSpPr>
-          <p:cNvPr id="4" name="Down Arrow 3"/>
-          <p:cNvSpPr/>
+              <a:rPr lang="en-US" dirty="0"/>
+              <a:t>R</a:t>
+            </a:r>
+            <a:r>
+              <a:rPr lang="en-US" dirty="0" smtClean="0"/>
+              <a:t>eassemble random fragments computationally.</a:t>
+            </a:r>
+          </a:p>
+        </p:txBody>
+      </p:sp>
+      <p:pic>
+        <p:nvPicPr>
+          <p:cNvPr id="4" name="Picture 3"/>
+          <p:cNvPicPr>
+            <a:picLocks noChangeAspect="1"/>
+          </p:cNvPicPr>
           <p:nvPr/>
-        </p:nvSpPr>
+        </p:nvPicPr>
+        <p:blipFill>
+          <a:blip r:embed="rId2"/>
+          <a:stretch>
+            <a:fillRect/>
+          </a:stretch>
+        </p:blipFill>
         <p:spPr>
           <a:xfrm>
-            <a:off x="3809588" y="3803696"/>
-            <a:ext cx="822960" cy="573897"/>
+            <a:off x="694050" y="2920985"/>
+            <a:ext cx="7898892" cy="2906792"/>
           </a:xfrm>
-          <a:prstGeom prst="downArrow">
+          <a:prstGeom prst="rect">
             <a:avLst/>
           </a:prstGeom>
-          <a:ln/>
         </p:spPr>
-        <p:style>
-          <a:lnRef idx="1">
-            <a:schemeClr val="accent1"/>
-          </a:lnRef>
-          <a:fillRef idx="3">
-            <a:schemeClr val="accent1"/>
-          </a:fillRef>
-          <a:effectRef idx="2">
-            <a:schemeClr val="accent1"/>
-          </a:effectRef>
-          <a:fontRef idx="minor">
-            <a:schemeClr val="lt1"/>
-          </a:fontRef>
-        </p:style>
+      </p:pic>
+      <p:sp>
+        <p:nvSpPr>
+          <p:cNvPr id="5" name="TextBox 4"/>
+          <p:cNvSpPr txBox="1"/>
+          <p:nvPr/>
+        </p:nvSpPr>
+        <p:spPr>
+          <a:xfrm>
+            <a:off x="4437633" y="5888260"/>
+            <a:ext cx="3796720" cy="369332"/>
+          </a:xfrm>
+          <a:prstGeom prst="rect">
+            <a:avLst/>
+          </a:prstGeom>
+          <a:noFill/>
+        </p:spPr>
+        <p:txBody>
+          <a:bodyPr wrap="none" rtlCol="0">
+            <a:spAutoFit/>
+          </a:bodyPr>
+          <a:lstStyle/>
+          <a:p>
+            <a:r>
+              <a:rPr lang="en-US" dirty="0" smtClean="0"/>
+              <a:t>UMD assembly primer (</a:t>
+            </a:r>
+            <a:r>
+              <a:rPr lang="en-US" dirty="0" err="1" smtClean="0"/>
+              <a:t>cbcb.umd.edu</a:t>
+            </a:r>
+            <a:r>
+              <a:rPr lang="en-US" dirty="0" smtClean="0"/>
+              <a:t>)</a:t>
+            </a:r>
+            <a:endParaRPr lang="en-US" dirty="0"/>
+          </a:p>
+        </p:txBody>
       </p:sp>
     </p:spTree>
     <p:extLst>
       <p:ext uri="{BB962C8B-B14F-4D97-AF65-F5344CB8AC3E}">
-        <p14:creationId xmlns:p14="http://schemas.microsoft.com/office/powerpoint/2010/main" val="3127883516"/>
+        <p14:creationId xmlns:p14="http://schemas.microsoft.com/office/powerpoint/2010/main" val="1880684934"/>
       </p:ext>
     </p:extLst>
   </p:cSld>
@@ -6779,90 +6669,139 @@
         </p:nvSpPr>
         <p:spPr/>
         <p:txBody>
-          <a:bodyPr/>
+          <a:bodyPr>
+            <a:normAutofit/>
+          </a:bodyPr>
           <a:lstStyle/>
           <a:p>
             <a:r>
               <a:rPr lang="en-US" dirty="0" smtClean="0"/>
-              <a:t>Where does # of reads count?</a:t>
+              <a:t>Shotgun sequencing</a:t>
             </a:r>
             <a:endParaRPr lang="en-US" dirty="0"/>
           </a:p>
         </p:txBody>
       </p:sp>
-      <p:pic>
-        <p:nvPicPr>
-          <p:cNvPr id="4" name="Content Placeholder 3"/>
-          <p:cNvPicPr>
-            <a:picLocks noGrp="1" noChangeAspect="1"/>
-          </p:cNvPicPr>
-          <p:nvPr>
-            <p:ph sz="quarter" idx="1"/>
-          </p:nvPr>
-        </p:nvPicPr>
-        <p:blipFill>
-          <a:blip r:embed="rId2"/>
-          <a:srcRect t="-78325" b="-78325"/>
-          <a:stretch>
-            <a:fillRect/>
-          </a:stretch>
-        </p:blipFill>
+      <p:sp>
+        <p:nvSpPr>
+          <p:cNvPr id="3" name="Content Placeholder 2"/>
+          <p:cNvSpPr>
+            <a:spLocks noGrp="1"/>
+          </p:cNvSpPr>
+          <p:nvPr>
+            <p:ph idx="1"/>
+          </p:nvPr>
+        </p:nvSpPr>
         <p:spPr/>
-      </p:pic>
-      <p:sp>
-        <p:nvSpPr>
-          <p:cNvPr id="5" name="TextBox 4"/>
-          <p:cNvSpPr txBox="1"/>
+        <p:txBody>
+          <a:bodyPr>
+            <a:normAutofit/>
+          </a:bodyPr>
+          <a:lstStyle/>
+          <a:p>
+            <a:pPr algn="ctr">
+              <a:buNone/>
+            </a:pPr>
+            <a:r>
+              <a:rPr lang="en-US" sz="2400" dirty="0" smtClean="0"/>
+              <a:t>It was the best of times, it was the </a:t>
+            </a:r>
+            <a:r>
+              <a:rPr lang="en-US" sz="2400" dirty="0" err="1" smtClean="0"/>
+              <a:t>wor</a:t>
+            </a:r>
+            <a:endParaRPr lang="en-US" sz="2400" dirty="0" smtClean="0"/>
+          </a:p>
+          <a:p>
+            <a:pPr algn="ctr">
+              <a:buNone/>
+            </a:pPr>
+            <a:r>
+              <a:rPr lang="en-US" sz="2400" dirty="0" smtClean="0"/>
+              <a:t>, it was the worst of times, it was the </a:t>
+            </a:r>
+          </a:p>
+          <a:p>
+            <a:pPr algn="ctr">
+              <a:buNone/>
+            </a:pPr>
+            <a:r>
+              <a:rPr lang="en-US" sz="2400" dirty="0" err="1" smtClean="0"/>
+              <a:t>isdom</a:t>
+            </a:r>
+            <a:r>
+              <a:rPr lang="en-US" sz="2400" dirty="0" smtClean="0"/>
+              <a:t>, it was the age of foolishness</a:t>
+            </a:r>
+          </a:p>
+          <a:p>
+            <a:pPr algn="ctr">
+              <a:buNone/>
+            </a:pPr>
+            <a:r>
+              <a:rPr lang="en-US" sz="2400" dirty="0" err="1" smtClean="0"/>
+              <a:t>mes</a:t>
+            </a:r>
+            <a:r>
+              <a:rPr lang="en-US" sz="2400" dirty="0" smtClean="0"/>
+              <a:t>, it was the age of wisdom, it was </a:t>
+            </a:r>
+            <a:r>
+              <a:rPr lang="en-US" sz="2400" dirty="0" err="1" smtClean="0"/>
+              <a:t>th</a:t>
+            </a:r>
+            <a:endParaRPr lang="en-US" sz="2400" dirty="0" smtClean="0"/>
+          </a:p>
+          <a:p>
+            <a:pPr algn="ctr">
+              <a:buNone/>
+            </a:pPr>
+            <a:endParaRPr lang="en-US" sz="2400" dirty="0" smtClean="0"/>
+          </a:p>
+          <a:p>
+            <a:pPr algn="ctr">
+              <a:buNone/>
+            </a:pPr>
+            <a:endParaRPr lang="en-US" sz="2400" dirty="0"/>
+          </a:p>
+          <a:p>
+            <a:pPr algn="ctr">
+              <a:buNone/>
+            </a:pPr>
+            <a:endParaRPr lang="en-US" sz="2400" dirty="0" smtClean="0"/>
+          </a:p>
+          <a:p>
+            <a:pPr algn="ctr">
+              <a:buNone/>
+            </a:pPr>
+            <a:r>
+              <a:rPr lang="en-US" sz="2400" dirty="0"/>
+              <a:t>It was the best of times, it was the worst of times, it was the age of wisdom, it was the age of foolishness</a:t>
+            </a:r>
+          </a:p>
+          <a:p>
+            <a:pPr algn="ctr">
+              <a:buNone/>
+            </a:pPr>
+            <a:endParaRPr lang="en-US" sz="2400" dirty="0" smtClean="0"/>
+          </a:p>
+        </p:txBody>
+      </p:sp>
+      <p:sp>
+        <p:nvSpPr>
+          <p:cNvPr id="4" name="Down Arrow 3"/>
+          <p:cNvSpPr/>
           <p:nvPr/>
         </p:nvSpPr>
         <p:spPr>
           <a:xfrm>
-            <a:off x="1195136" y="1657684"/>
-            <a:ext cx="7120021" cy="461665"/>
+            <a:off x="3809588" y="3803696"/>
+            <a:ext cx="822960" cy="573897"/>
           </a:xfrm>
-          <a:prstGeom prst="rect">
+          <a:prstGeom prst="downArrow">
             <a:avLst/>
           </a:prstGeom>
-          <a:noFill/>
-        </p:spPr>
-        <p:txBody>
-          <a:bodyPr wrap="square" rtlCol="0">
-            <a:spAutoFit/>
-          </a:bodyPr>
-          <a:lstStyle/>
-          <a:p>
-            <a:pPr algn="ctr"/>
-            <a:r>
-              <a:rPr lang="en-US" sz="2400" dirty="0" err="1" smtClean="0"/>
-              <a:t>Resequencing</a:t>
-            </a:r>
-            <a:r>
-              <a:rPr lang="en-US" sz="2400" dirty="0" smtClean="0"/>
-              <a:t>, counting, and assembly.</a:t>
-            </a:r>
-            <a:endParaRPr lang="en-US" sz="2400" dirty="0"/>
-          </a:p>
-        </p:txBody>
-      </p:sp>
-      <p:sp>
-        <p:nvSpPr>
-          <p:cNvPr id="3" name="Rectangle 2"/>
-          <p:cNvSpPr/>
-          <p:nvPr/>
-        </p:nvSpPr>
-        <p:spPr>
-          <a:xfrm>
-            <a:off x="457200" y="2803609"/>
-            <a:ext cx="2779888" cy="2586756"/>
-          </a:xfrm>
-          <a:prstGeom prst="rect">
-            <a:avLst/>
-          </a:prstGeom>
-          <a:solidFill>
-            <a:schemeClr val="accent1">
-              <a:alpha val="34000"/>
-            </a:schemeClr>
-          </a:solidFill>
+          <a:ln/>
         </p:spPr>
         <p:style>
           <a:lnRef idx="1">
@@ -6878,62 +6817,11 @@
             <a:schemeClr val="lt1"/>
           </a:fontRef>
         </p:style>
-        <p:txBody>
-          <a:bodyPr rtlCol="0" anchor="ctr"/>
-          <a:lstStyle/>
-          <a:p>
-            <a:pPr algn="ctr"/>
-            <a:endParaRPr lang="en-US"/>
-          </a:p>
-        </p:txBody>
-      </p:sp>
-      <p:sp>
-        <p:nvSpPr>
-          <p:cNvPr id="6" name="Rectangle 5"/>
-          <p:cNvSpPr/>
-          <p:nvPr/>
-        </p:nvSpPr>
-        <p:spPr>
-          <a:xfrm>
-            <a:off x="3237088" y="2803609"/>
-            <a:ext cx="2059966" cy="2586756"/>
-          </a:xfrm>
-          <a:prstGeom prst="rect">
-            <a:avLst/>
-          </a:prstGeom>
-          <a:solidFill>
-            <a:schemeClr val="accent1">
-              <a:alpha val="34000"/>
-            </a:schemeClr>
-          </a:solidFill>
-        </p:spPr>
-        <p:style>
-          <a:lnRef idx="1">
-            <a:schemeClr val="accent1"/>
-          </a:lnRef>
-          <a:fillRef idx="3">
-            <a:schemeClr val="accent1"/>
-          </a:fillRef>
-          <a:effectRef idx="2">
-            <a:schemeClr val="accent1"/>
-          </a:effectRef>
-          <a:fontRef idx="minor">
-            <a:schemeClr val="lt1"/>
-          </a:fontRef>
-        </p:style>
-        <p:txBody>
-          <a:bodyPr rtlCol="0" anchor="ctr"/>
-          <a:lstStyle/>
-          <a:p>
-            <a:pPr algn="ctr"/>
-            <a:endParaRPr lang="en-US"/>
-          </a:p>
-        </p:txBody>
       </p:sp>
     </p:spTree>
     <p:extLst>
       <p:ext uri="{BB962C8B-B14F-4D97-AF65-F5344CB8AC3E}">
-        <p14:creationId xmlns:p14="http://schemas.microsoft.com/office/powerpoint/2010/main" val="3327203346"/>
+        <p14:creationId xmlns:p14="http://schemas.microsoft.com/office/powerpoint/2010/main" val="3127883516"/>
       </p:ext>
     </p:extLst>
   </p:cSld>
@@ -6984,15 +6872,7 @@
           <a:p>
             <a:r>
               <a:rPr lang="en-US" dirty="0" smtClean="0"/>
-              <a:t>Where does </a:t>
-            </a:r>
-            <a:r>
-              <a:rPr lang="en-US" dirty="0" err="1" smtClean="0"/>
-              <a:t>reconstructability</a:t>
-            </a:r>
-            <a:r>
-              <a:rPr lang="en-US" dirty="0" smtClean="0"/>
-              <a:t> matter?</a:t>
+              <a:t>Where does # of reads count?</a:t>
             </a:r>
             <a:endParaRPr lang="en-US" dirty="0"/>
           </a:p>
@@ -7054,13 +6934,13 @@
       </p:sp>
       <p:sp>
         <p:nvSpPr>
-          <p:cNvPr id="6" name="Rectangle 5"/>
+          <p:cNvPr id="3" name="Rectangle 2"/>
           <p:cNvSpPr/>
           <p:nvPr/>
         </p:nvSpPr>
         <p:spPr>
           <a:xfrm>
-            <a:off x="5297312" y="2803609"/>
+            <a:off x="457200" y="2803609"/>
             <a:ext cx="2779888" cy="2586756"/>
           </a:xfrm>
           <a:prstGeom prst="rect">
@@ -7097,14 +6977,14 @@
       </p:sp>
       <p:sp>
         <p:nvSpPr>
-          <p:cNvPr id="7" name="Rectangle 6"/>
+          <p:cNvPr id="6" name="Rectangle 5"/>
           <p:cNvSpPr/>
           <p:nvPr/>
         </p:nvSpPr>
         <p:spPr>
           <a:xfrm>
-            <a:off x="286827" y="2803609"/>
-            <a:ext cx="2779888" cy="2586756"/>
+            <a:off x="3237088" y="2803609"/>
+            <a:ext cx="2059966" cy="2586756"/>
           </a:xfrm>
           <a:prstGeom prst="rect">
             <a:avLst/>
@@ -7141,7 +7021,7 @@
     </p:spTree>
     <p:extLst>
       <p:ext uri="{BB962C8B-B14F-4D97-AF65-F5344CB8AC3E}">
-        <p14:creationId xmlns:p14="http://schemas.microsoft.com/office/powerpoint/2010/main" val="344199505"/>
+        <p14:creationId xmlns:p14="http://schemas.microsoft.com/office/powerpoint/2010/main" val="3327203346"/>
       </p:ext>
     </p:extLst>
   </p:cSld>
@@ -7192,118 +7072,164 @@
           <a:p>
             <a:r>
               <a:rPr lang="en-US" dirty="0" smtClean="0"/>
-              <a:t>Summary</a:t>
+              <a:t>Where does </a:t>
+            </a:r>
+            <a:r>
+              <a:rPr lang="en-US" dirty="0" err="1" smtClean="0"/>
+              <a:t>reconstructability</a:t>
+            </a:r>
+            <a:r>
+              <a:rPr lang="en-US" dirty="0" smtClean="0"/>
+              <a:t> matter?</a:t>
             </a:r>
             <a:endParaRPr lang="en-US" dirty="0"/>
           </a:p>
         </p:txBody>
       </p:sp>
-      <p:sp>
-        <p:nvSpPr>
-          <p:cNvPr id="3" name="Content Placeholder 2"/>
-          <p:cNvSpPr>
-            <a:spLocks noGrp="1"/>
-          </p:cNvSpPr>
-          <p:nvPr>
-            <p:ph idx="1"/>
-          </p:nvPr>
-        </p:nvSpPr>
+      <p:pic>
+        <p:nvPicPr>
+          <p:cNvPr id="4" name="Content Placeholder 3"/>
+          <p:cNvPicPr>
+            <a:picLocks noGrp="1" noChangeAspect="1"/>
+          </p:cNvPicPr>
+          <p:nvPr>
+            <p:ph sz="quarter" idx="1"/>
+          </p:nvPr>
+        </p:nvPicPr>
+        <p:blipFill>
+          <a:blip r:embed="rId2"/>
+          <a:srcRect t="-78325" b="-78325"/>
+          <a:stretch>
+            <a:fillRect/>
+          </a:stretch>
+        </p:blipFill>
         <p:spPr/>
-        <p:txBody>
-          <a:bodyPr>
-            <a:normAutofit fontScale="85000" lnSpcReduction="20000"/>
+      </p:pic>
+      <p:sp>
+        <p:nvSpPr>
+          <p:cNvPr id="5" name="TextBox 4"/>
+          <p:cNvSpPr txBox="1"/>
+          <p:nvPr/>
+        </p:nvSpPr>
+        <p:spPr>
+          <a:xfrm>
+            <a:off x="1195136" y="1657684"/>
+            <a:ext cx="7120021" cy="461665"/>
+          </a:xfrm>
+          <a:prstGeom prst="rect">
+            <a:avLst/>
+          </a:prstGeom>
+          <a:noFill/>
+        </p:spPr>
+        <p:txBody>
+          <a:bodyPr wrap="square" rtlCol="0">
+            <a:spAutoFit/>
           </a:bodyPr>
           <a:lstStyle/>
           <a:p>
-            <a:r>
-              <a:rPr lang="en-US" sz="3200" dirty="0" smtClean="0"/>
-              <a:t>Coverage matters for SNP calls and assembly;</a:t>
-            </a:r>
-          </a:p>
-          <a:p>
-            <a:endParaRPr lang="en-US" sz="3200" dirty="0" smtClean="0"/>
-          </a:p>
-          <a:p>
-            <a:r>
-              <a:rPr lang="en-US" sz="3200" dirty="0" smtClean="0"/>
-              <a:t># of reads matters for counting;</a:t>
-            </a:r>
-          </a:p>
-          <a:p>
-            <a:endParaRPr lang="en-US" sz="3200" dirty="0"/>
-          </a:p>
-          <a:p>
-            <a:r>
-              <a:rPr lang="en-US" sz="3200" dirty="0" smtClean="0"/>
-              <a:t>Length of reads matters for </a:t>
-            </a:r>
-            <a:r>
-              <a:rPr lang="en-US" sz="3200" dirty="0" err="1" smtClean="0"/>
-              <a:t>reconstructability</a:t>
-            </a:r>
-            <a:r>
-              <a:rPr lang="en-US" sz="3200" dirty="0" smtClean="0"/>
-              <a:t> (assembly &amp; </a:t>
-            </a:r>
-            <a:r>
-              <a:rPr lang="en-US" sz="3200" dirty="0" err="1" smtClean="0"/>
-              <a:t>haplotyping</a:t>
-            </a:r>
-            <a:r>
-              <a:rPr lang="en-US" sz="3200" dirty="0" smtClean="0"/>
-              <a:t>);</a:t>
-            </a:r>
-          </a:p>
-          <a:p>
-            <a:endParaRPr lang="en-US" sz="3200" dirty="0"/>
-          </a:p>
-          <a:p>
-            <a:r>
-              <a:rPr lang="en-US" sz="3200" dirty="0" smtClean="0"/>
-              <a:t>Illumina is still “best” for high coverage;</a:t>
-            </a:r>
-          </a:p>
-          <a:p>
-            <a:r>
-              <a:rPr lang="en-US" sz="3200" dirty="0" err="1" smtClean="0"/>
-              <a:t>PacBio</a:t>
-            </a:r>
-            <a:r>
-              <a:rPr lang="en-US" sz="3200" dirty="0" smtClean="0"/>
-              <a:t> and </a:t>
-            </a:r>
-            <a:r>
-              <a:rPr lang="en-US" sz="3200" dirty="0" err="1" smtClean="0"/>
-              <a:t>Moleculo</a:t>
-            </a:r>
-            <a:r>
-              <a:rPr lang="en-US" sz="3200" dirty="0" smtClean="0"/>
-              <a:t> =&gt; genome assembly;</a:t>
-            </a:r>
-          </a:p>
-          <a:p>
-            <a:r>
-              <a:rPr lang="en-US" sz="3200" dirty="0" err="1" smtClean="0"/>
-              <a:t>Nanopore</a:t>
-            </a:r>
-            <a:r>
-              <a:rPr lang="en-US" sz="3200" dirty="0" smtClean="0"/>
-              <a:t>: still tricky but lots of progress being made.</a:t>
-            </a:r>
-            <a:endParaRPr lang="en-US" sz="3200" dirty="0" smtClean="0"/>
-          </a:p>
-          <a:p>
-            <a:pPr marL="114300" indent="0">
-              <a:buNone/>
-            </a:pPr>
-            <a:endParaRPr lang="en-US" sz="3200" dirty="0"/>
+            <a:pPr algn="ctr"/>
+            <a:r>
+              <a:rPr lang="en-US" sz="2400" dirty="0" err="1" smtClean="0"/>
+              <a:t>Resequencing</a:t>
+            </a:r>
+            <a:r>
+              <a:rPr lang="en-US" sz="2400" dirty="0" smtClean="0"/>
+              <a:t>, counting, and assembly.</a:t>
+            </a:r>
+            <a:endParaRPr lang="en-US" sz="2400" dirty="0"/>
+          </a:p>
+        </p:txBody>
+      </p:sp>
+      <p:sp>
+        <p:nvSpPr>
+          <p:cNvPr id="6" name="Rectangle 5"/>
+          <p:cNvSpPr/>
+          <p:nvPr/>
+        </p:nvSpPr>
+        <p:spPr>
+          <a:xfrm>
+            <a:off x="5297312" y="2803609"/>
+            <a:ext cx="2779888" cy="2586756"/>
+          </a:xfrm>
+          <a:prstGeom prst="rect">
+            <a:avLst/>
+          </a:prstGeom>
+          <a:solidFill>
+            <a:schemeClr val="accent1">
+              <a:alpha val="34000"/>
+            </a:schemeClr>
+          </a:solidFill>
+        </p:spPr>
+        <p:style>
+          <a:lnRef idx="1">
+            <a:schemeClr val="accent1"/>
+          </a:lnRef>
+          <a:fillRef idx="3">
+            <a:schemeClr val="accent1"/>
+          </a:fillRef>
+          <a:effectRef idx="2">
+            <a:schemeClr val="accent1"/>
+          </a:effectRef>
+          <a:fontRef idx="minor">
+            <a:schemeClr val="lt1"/>
+          </a:fontRef>
+        </p:style>
+        <p:txBody>
+          <a:bodyPr rtlCol="0" anchor="ctr"/>
+          <a:lstStyle/>
+          <a:p>
+            <a:pPr algn="ctr"/>
+            <a:endParaRPr lang="en-US"/>
+          </a:p>
+        </p:txBody>
+      </p:sp>
+      <p:sp>
+        <p:nvSpPr>
+          <p:cNvPr id="7" name="Rectangle 6"/>
+          <p:cNvSpPr/>
+          <p:nvPr/>
+        </p:nvSpPr>
+        <p:spPr>
+          <a:xfrm>
+            <a:off x="286827" y="2803609"/>
+            <a:ext cx="2779888" cy="2586756"/>
+          </a:xfrm>
+          <a:prstGeom prst="rect">
+            <a:avLst/>
+          </a:prstGeom>
+          <a:solidFill>
+            <a:schemeClr val="accent1">
+              <a:alpha val="34000"/>
+            </a:schemeClr>
+          </a:solidFill>
+        </p:spPr>
+        <p:style>
+          <a:lnRef idx="1">
+            <a:schemeClr val="accent1"/>
+          </a:lnRef>
+          <a:fillRef idx="3">
+            <a:schemeClr val="accent1"/>
+          </a:fillRef>
+          <a:effectRef idx="2">
+            <a:schemeClr val="accent1"/>
+          </a:effectRef>
+          <a:fontRef idx="minor">
+            <a:schemeClr val="lt1"/>
+          </a:fontRef>
+        </p:style>
+        <p:txBody>
+          <a:bodyPr rtlCol="0" anchor="ctr"/>
+          <a:lstStyle/>
+          <a:p>
+            <a:pPr algn="ctr"/>
+            <a:endParaRPr lang="en-US"/>
           </a:p>
         </p:txBody>
       </p:sp>
     </p:spTree>
     <p:extLst>
       <p:ext uri="{BB962C8B-B14F-4D97-AF65-F5344CB8AC3E}">
-        <p14:creationId xmlns:p14="http://schemas.microsoft.com/office/powerpoint/2010/main" val="3463255729"/>
+        <p14:creationId xmlns:p14="http://schemas.microsoft.com/office/powerpoint/2010/main" val="344199505"/>
       </p:ext>
     </p:extLst>
   </p:cSld>
@@ -7354,7 +7280,7 @@
           <a:p>
             <a:r>
               <a:rPr lang="en-US" dirty="0" smtClean="0"/>
-              <a:t>Bad data</a:t>
+              <a:t>Summary</a:t>
             </a:r>
             <a:endParaRPr lang="en-US" dirty="0"/>
           </a:p>
@@ -7362,137 +7288,123 @@
       </p:sp>
       <p:sp>
         <p:nvSpPr>
-          <p:cNvPr id="4" name="Content Placeholder 3"/>
-          <p:cNvSpPr txBox="1">
+          <p:cNvPr id="3" name="Content Placeholder 2"/>
+          <p:cNvSpPr>
             <a:spLocks noGrp="1"/>
           </p:cNvSpPr>
           <p:nvPr>
             <p:ph idx="1"/>
           </p:nvPr>
         </p:nvSpPr>
-        <p:spPr>
-          <a:xfrm>
-            <a:off x="457201" y="1600200"/>
-            <a:ext cx="7620000" cy="4290405"/>
-          </a:xfrm>
-          <a:prstGeom prst="rect">
-            <a:avLst/>
-          </a:prstGeom>
-          <a:noFill/>
-        </p:spPr>
-        <p:txBody>
-          <a:bodyPr wrap="square" rtlCol="0">
-            <a:spAutoFit/>
+        <p:spPr/>
+        <p:txBody>
+          <a:bodyPr>
+            <a:normAutofit fontScale="85000" lnSpcReduction="20000"/>
           </a:bodyPr>
           <a:lstStyle/>
+          <a:p>
+            <a:r>
+              <a:rPr lang="en-US" sz="3200" dirty="0" smtClean="0"/>
+              <a:t>Coverage matters for SNP calls and assembly;</a:t>
+            </a:r>
+          </a:p>
+          <a:p>
+            <a:endParaRPr lang="en-US" sz="3200" dirty="0" smtClean="0"/>
+          </a:p>
+          <a:p>
+            <a:r>
+              <a:rPr lang="en-US" sz="3200" dirty="0" smtClean="0"/>
+              <a:t># of reads matters for counting;</a:t>
+            </a:r>
+          </a:p>
+          <a:p>
+            <a:endParaRPr lang="en-US" sz="3200" dirty="0"/>
+          </a:p>
+          <a:p>
+            <a:r>
+              <a:rPr lang="en-US" sz="3200" dirty="0" smtClean="0"/>
+              <a:t>Length of reads matters for </a:t>
+            </a:r>
+            <a:r>
+              <a:rPr lang="en-US" sz="3200" dirty="0" err="1" smtClean="0"/>
+              <a:t>reconstructability</a:t>
+            </a:r>
+            <a:r>
+              <a:rPr lang="en-US" sz="3200" dirty="0" smtClean="0"/>
+              <a:t> (assembly &amp; </a:t>
+            </a:r>
+            <a:r>
+              <a:rPr lang="en-US" sz="3200" dirty="0" err="1" smtClean="0"/>
+              <a:t>haplotyping</a:t>
+            </a:r>
+            <a:r>
+              <a:rPr lang="en-US" sz="3200" dirty="0" smtClean="0"/>
+              <a:t>);</a:t>
+            </a:r>
+          </a:p>
+          <a:p>
+            <a:endParaRPr lang="en-US" sz="3200" dirty="0"/>
+          </a:p>
+          <a:p>
+            <a:r>
+              <a:rPr lang="en-US" sz="3200" dirty="0" smtClean="0"/>
+              <a:t>Illumina is still “best” for high coverage;</a:t>
+            </a:r>
+          </a:p>
+          <a:p>
+            <a:r>
+              <a:rPr lang="en-US" sz="3200" dirty="0" err="1" smtClean="0"/>
+              <a:t>PacBio</a:t>
+            </a:r>
+            <a:r>
+              <a:rPr lang="en-US" sz="3200" dirty="0" smtClean="0"/>
+              <a:t> and </a:t>
+            </a:r>
+            <a:r>
+              <a:rPr lang="en-US" sz="3200" dirty="0" err="1" smtClean="0"/>
+              <a:t>Moleculo</a:t>
+            </a:r>
+            <a:r>
+              <a:rPr lang="en-US" sz="3200" dirty="0" smtClean="0"/>
+              <a:t> =&gt; genome assembly;</a:t>
+            </a:r>
+          </a:p>
+          <a:p>
+            <a:r>
+              <a:rPr lang="en-US" sz="3200" dirty="0" err="1" smtClean="0"/>
+              <a:t>Nanopore</a:t>
+            </a:r>
+            <a:r>
+              <a:rPr lang="en-US" sz="3200" dirty="0" smtClean="0"/>
+              <a:t>: still tricky but lots of progress being made.</a:t>
+            </a:r>
+            <a:endParaRPr lang="en-US" sz="3200" dirty="0" smtClean="0"/>
+          </a:p>
           <a:p>
             <a:pPr marL="114300" indent="0">
               <a:buNone/>
             </a:pPr>
-            <a:r>
-              <a:rPr lang="en-US" dirty="0" smtClean="0">
-                <a:hlinkClick r:id="rId2"/>
-              </a:rPr>
-              <a:t>I asked:</a:t>
-            </a:r>
-          </a:p>
-          <a:p>
-            <a:pPr marL="114300" indent="0">
-              <a:buNone/>
-            </a:pPr>
-            <a:r>
-              <a:rPr lang="en-US" dirty="0" smtClean="0">
-                <a:hlinkClick r:id="rId2"/>
-              </a:rPr>
-              <a:t>https</a:t>
-            </a:r>
-            <a:r>
-              <a:rPr lang="en-US" dirty="0">
-                <a:hlinkClick r:id="rId2"/>
-              </a:rPr>
-              <a:t>://twitter.com/ctitusbrown/status/</a:t>
-            </a:r>
-            <a:r>
-              <a:rPr lang="en-US" dirty="0" smtClean="0">
-                <a:hlinkClick r:id="rId2"/>
-              </a:rPr>
-              <a:t>624721875252420608</a:t>
-            </a:r>
-            <a:endParaRPr lang="en-US" dirty="0" smtClean="0"/>
-          </a:p>
-          <a:p>
-            <a:endParaRPr lang="en-US" dirty="0" smtClean="0"/>
-          </a:p>
-          <a:p>
-            <a:pPr marL="114300" indent="0">
-              <a:buNone/>
-            </a:pPr>
-            <a:r>
-              <a:rPr lang="en-US" dirty="0" smtClean="0"/>
-              <a:t>I received:</a:t>
-            </a:r>
-            <a:endParaRPr lang="en-US" dirty="0"/>
-          </a:p>
-          <a:p>
-            <a:r>
-              <a:rPr lang="en-US" dirty="0">
-                <a:hlinkClick r:id="rId3"/>
-              </a:rPr>
-              <a:t>http://www.bioinfo-core.org/index.php/</a:t>
-            </a:r>
-            <a:r>
-              <a:rPr lang="en-US" dirty="0" smtClean="0">
-                <a:hlinkClick r:id="rId3"/>
-              </a:rPr>
-              <a:t>Interesting_NGS_failures</a:t>
-            </a:r>
-            <a:endParaRPr lang="en-US" dirty="0" smtClean="0"/>
-          </a:p>
-          <a:p>
-            <a:r>
-              <a:rPr lang="en-US" dirty="0">
-                <a:hlinkClick r:id="rId4"/>
-              </a:rPr>
-              <a:t>http://bioinfo-core.org/index.php/9th_Discussion-</a:t>
-            </a:r>
-            <a:r>
-              <a:rPr lang="en-US" dirty="0" smtClean="0">
-                <a:hlinkClick r:id="rId4"/>
-              </a:rPr>
-              <a:t>28_October_2010</a:t>
-            </a:r>
-            <a:endParaRPr lang="en-US" dirty="0" smtClean="0"/>
-          </a:p>
-          <a:p>
-            <a:r>
-              <a:rPr lang="en-US" dirty="0">
-                <a:hlinkClick r:id="rId5"/>
-              </a:rPr>
-              <a:t>https://biomickwatson.wordpress.com/2013/01/21/ten-things-to-consider-when-choosing-an-ngs-supplier</a:t>
-            </a:r>
-            <a:r>
-              <a:rPr lang="en-US" dirty="0" smtClean="0">
-                <a:hlinkClick r:id="rId5"/>
-              </a:rPr>
-              <a:t>/</a:t>
-            </a:r>
-            <a:endParaRPr lang="en-US" dirty="0" smtClean="0"/>
-          </a:p>
-          <a:p>
-            <a:endParaRPr lang="en-US" dirty="0"/>
+            <a:endParaRPr lang="en-US" sz="3200" dirty="0"/>
           </a:p>
         </p:txBody>
       </p:sp>
     </p:spTree>
     <p:extLst>
       <p:ext uri="{BB962C8B-B14F-4D97-AF65-F5344CB8AC3E}">
-        <p14:creationId xmlns:p14="http://schemas.microsoft.com/office/powerpoint/2010/main" val="4212640290"/>
+        <p14:creationId xmlns:p14="http://schemas.microsoft.com/office/powerpoint/2010/main" val="3463255729"/>
       </p:ext>
     </p:extLst>
   </p:cSld>
   <p:clrMapOvr>
     <a:masterClrMapping/>
   </p:clrMapOvr>
+  <p:timing>
+    <p:tnLst>
+      <p:par>
+        <p:cTn xmlns:p14="http://schemas.microsoft.com/office/powerpoint/2010/main" id="1" dur="indefinite" restart="never" nodeType="tmRoot"/>
+      </p:par>
+    </p:tnLst>
+  </p:timing>
 </p:sld>
 </file>
 
@@ -7520,7 +7432,7 @@
             <a:spLocks noGrp="1"/>
           </p:cNvSpPr>
           <p:nvPr>
-            <p:ph type="ctrTitle"/>
+            <p:ph type="title"/>
           </p:nvPr>
         </p:nvSpPr>
         <p:spPr/>
@@ -7529,52 +7441,27 @@
           <a:lstStyle/>
           <a:p>
             <a:r>
-              <a:rPr lang="en-GB" dirty="0" smtClean="0"/>
-              <a:t>Sequencing Bloopers</a:t>
-            </a:r>
-            <a:endParaRPr lang="en-GB" dirty="0"/>
-          </a:p>
-        </p:txBody>
-      </p:sp>
-      <p:sp>
-        <p:nvSpPr>
-          <p:cNvPr id="3" name="Subtitle 2"/>
-          <p:cNvSpPr>
-            <a:spLocks noGrp="1"/>
-          </p:cNvSpPr>
-          <p:nvPr>
-            <p:ph type="subTitle" idx="1"/>
-          </p:nvPr>
-        </p:nvSpPr>
-        <p:spPr/>
-        <p:txBody>
-          <a:bodyPr/>
-          <a:lstStyle/>
-          <a:p>
-            <a:r>
-              <a:rPr lang="en-GB" dirty="0" smtClean="0"/>
-              <a:t>Simon Andrews</a:t>
-            </a:r>
-          </a:p>
-          <a:p>
-            <a:r>
-              <a:rPr lang="en-GB" dirty="0" smtClean="0"/>
-              <a:t>Tim Stevens</a:t>
-            </a:r>
-            <a:endParaRPr lang="en-GB" dirty="0"/>
-          </a:p>
-        </p:txBody>
-      </p:sp>
-      <p:sp>
-        <p:nvSpPr>
-          <p:cNvPr id="4" name="TextBox 3"/>
-          <p:cNvSpPr txBox="1"/>
-          <p:nvPr/>
+              <a:rPr lang="en-US" dirty="0" smtClean="0"/>
+              <a:t>Bad data</a:t>
+            </a:r>
+            <a:endParaRPr lang="en-US" dirty="0"/>
+          </a:p>
+        </p:txBody>
+      </p:sp>
+      <p:sp>
+        <p:nvSpPr>
+          <p:cNvPr id="4" name="Content Placeholder 3"/>
+          <p:cNvSpPr txBox="1">
+            <a:spLocks noGrp="1"/>
+          </p:cNvSpPr>
+          <p:nvPr>
+            <p:ph idx="1"/>
+          </p:nvPr>
         </p:nvSpPr>
         <p:spPr>
           <a:xfrm>
-            <a:off x="1076024" y="1111393"/>
-            <a:ext cx="6340197" cy="1477328"/>
+            <a:off x="457201" y="1600200"/>
+            <a:ext cx="7620000" cy="4290405"/>
           </a:xfrm>
           <a:prstGeom prst="rect">
             <a:avLst/>
@@ -7582,11 +7469,14 @@
           <a:noFill/>
         </p:spPr>
         <p:txBody>
-          <a:bodyPr wrap="none" rtlCol="0">
+          <a:bodyPr wrap="square" rtlCol="0">
             <a:spAutoFit/>
           </a:bodyPr>
           <a:lstStyle/>
           <a:p>
+            <a:pPr marL="114300" indent="0">
+              <a:buNone/>
+            </a:pPr>
             <a:r>
               <a:rPr lang="en-US" dirty="0" smtClean="0">
                 <a:hlinkClick r:id="rId2"/>
@@ -7595,6 +7485,9 @@
             </a:r>
           </a:p>
           <a:p>
+            <a:pPr marL="114300" indent="0">
+              <a:buNone/>
+            </a:pPr>
             <a:r>
               <a:rPr lang="en-US" dirty="0" smtClean="0">
                 <a:hlinkClick r:id="rId2"/>
@@ -7619,6 +7512,9 @@
             <a:endParaRPr lang="en-US" dirty="0" smtClean="0"/>
           </a:p>
           <a:p>
+            <a:pPr marL="114300" indent="0">
+              <a:buNone/>
+            </a:pPr>
             <a:r>
               <a:rPr lang="en-US" dirty="0" smtClean="0"/>
               <a:t>I received:</a:t>
@@ -7627,29 +7523,50 @@
           </a:p>
           <a:p>
             <a:r>
-              <a:rPr lang="en-US" dirty="0"/>
-              <a:t>http://</a:t>
-            </a:r>
-            <a:r>
-              <a:rPr lang="en-US" dirty="0" err="1"/>
-              <a:t>www.bioinfo-core.org</a:t>
-            </a:r>
-            <a:r>
-              <a:rPr lang="en-US" dirty="0"/>
+              <a:rPr lang="en-US" dirty="0">
+                <a:hlinkClick r:id="rId3"/>
+              </a:rPr>
+              <a:t>http://www.bioinfo-core.org/index.php/</a:t>
+            </a:r>
+            <a:r>
+              <a:rPr lang="en-US" dirty="0" smtClean="0">
+                <a:hlinkClick r:id="rId3"/>
+              </a:rPr>
+              <a:t>Interesting_NGS_failures</a:t>
+            </a:r>
+            <a:endParaRPr lang="en-US" dirty="0" smtClean="0"/>
+          </a:p>
+          <a:p>
+            <a:r>
+              <a:rPr lang="en-US" dirty="0">
+                <a:hlinkClick r:id="rId4"/>
+              </a:rPr>
+              <a:t>http://bioinfo-core.org/index.php/9th_Discussion-</a:t>
+            </a:r>
+            <a:r>
+              <a:rPr lang="en-US" dirty="0" smtClean="0">
+                <a:hlinkClick r:id="rId4"/>
+              </a:rPr>
+              <a:t>28_October_2010</a:t>
+            </a:r>
+            <a:endParaRPr lang="en-US" dirty="0" smtClean="0"/>
+          </a:p>
+          <a:p>
+            <a:r>
+              <a:rPr lang="en-US" dirty="0">
+                <a:hlinkClick r:id="rId5"/>
+              </a:rPr>
+              <a:t>https://biomickwatson.wordpress.com/2013/01/21/ten-things-to-consider-when-choosing-an-ngs-supplier</a:t>
+            </a:r>
+            <a:r>
+              <a:rPr lang="en-US" dirty="0" smtClean="0">
+                <a:hlinkClick r:id="rId5"/>
+              </a:rPr>
               <a:t>/</a:t>
             </a:r>
-            <a:r>
-              <a:rPr lang="en-US" dirty="0" err="1"/>
-              <a:t>index.php</a:t>
-            </a:r>
-            <a:r>
-              <a:rPr lang="en-US" dirty="0"/>
-              <a:t>/</a:t>
-            </a:r>
-            <a:r>
-              <a:rPr lang="en-US" dirty="0" err="1"/>
-              <a:t>Interesting_NGS_failures</a:t>
-            </a:r>
+            <a:endParaRPr lang="en-US" dirty="0" smtClean="0"/>
+          </a:p>
+          <a:p>
             <a:endParaRPr lang="en-US" dirty="0"/>
           </a:p>
         </p:txBody>
@@ -7657,20 +7574,13 @@
     </p:spTree>
     <p:extLst>
       <p:ext uri="{BB962C8B-B14F-4D97-AF65-F5344CB8AC3E}">
-        <p14:creationId xmlns:p14="http://schemas.microsoft.com/office/powerpoint/2010/main" val="1105069921"/>
+        <p14:creationId xmlns:p14="http://schemas.microsoft.com/office/powerpoint/2010/main" val="4212640290"/>
       </p:ext>
     </p:extLst>
   </p:cSld>
   <p:clrMapOvr>
     <a:masterClrMapping/>
   </p:clrMapOvr>
-  <p:timing>
-    <p:tnLst>
-      <p:par>
-        <p:cTn xmlns:p14="http://schemas.microsoft.com/office/powerpoint/2010/main" id="1" dur="indefinite" restart="never" nodeType="tmRoot"/>
-      </p:par>
-    </p:tnLst>
-  </p:timing>
 </p:sld>
 </file>
 
@@ -7693,7 +7603,7 @@
       </p:grpSpPr>
       <p:sp>
         <p:nvSpPr>
-          <p:cNvPr id="6" name="Title 5"/>
+          <p:cNvPr id="2" name="Title 1"/>
           <p:cNvSpPr>
             <a:spLocks noGrp="1"/>
           </p:cNvSpPr>
@@ -7708,7 +7618,36 @@
           <a:p>
             <a:r>
               <a:rPr lang="en-GB" dirty="0" smtClean="0"/>
-              <a:t>Technical sequencer problems</a:t>
+              <a:t>Sequencing Bloopers</a:t>
+            </a:r>
+            <a:endParaRPr lang="en-GB" dirty="0"/>
+          </a:p>
+        </p:txBody>
+      </p:sp>
+      <p:sp>
+        <p:nvSpPr>
+          <p:cNvPr id="3" name="Subtitle 2"/>
+          <p:cNvSpPr>
+            <a:spLocks noGrp="1"/>
+          </p:cNvSpPr>
+          <p:nvPr>
+            <p:ph type="subTitle" idx="1"/>
+          </p:nvPr>
+        </p:nvSpPr>
+        <p:spPr/>
+        <p:txBody>
+          <a:bodyPr/>
+          <a:lstStyle/>
+          <a:p>
+            <a:r>
+              <a:rPr lang="en-GB" dirty="0" smtClean="0"/>
+              <a:t>Simon Andrews</a:t>
+            </a:r>
+          </a:p>
+          <a:p>
+            <a:r>
+              <a:rPr lang="en-GB" dirty="0" smtClean="0"/>
+              <a:t>Tim Stevens</a:t>
             </a:r>
             <a:endParaRPr lang="en-GB" dirty="0"/>
           </a:p>
@@ -7717,7 +7656,7 @@
     </p:spTree>
     <p:extLst>
       <p:ext uri="{BB962C8B-B14F-4D97-AF65-F5344CB8AC3E}">
-        <p14:creationId xmlns:p14="http://schemas.microsoft.com/office/powerpoint/2010/main" val="360258828"/>
+        <p14:creationId xmlns:p14="http://schemas.microsoft.com/office/powerpoint/2010/main" val="1105069921"/>
       </p:ext>
     </p:extLst>
   </p:cSld>
@@ -7860,6 +7799,66 @@
 </file>
 
 <file path=ppt/slides/slide40.xml><?xml version="1.0" encoding="utf-8"?>
+<p:sld xmlns:a="http://schemas.openxmlformats.org/drawingml/2006/main" xmlns:r="http://schemas.openxmlformats.org/officeDocument/2006/relationships" xmlns:p="http://schemas.openxmlformats.org/presentationml/2006/main">
+  <p:cSld>
+    <p:spTree>
+      <p:nvGrpSpPr>
+        <p:cNvPr id="1" name=""/>
+        <p:cNvGrpSpPr/>
+        <p:nvPr/>
+      </p:nvGrpSpPr>
+      <p:grpSpPr>
+        <a:xfrm>
+          <a:off x="0" y="0"/>
+          <a:ext cx="0" cy="0"/>
+          <a:chOff x="0" y="0"/>
+          <a:chExt cx="0" cy="0"/>
+        </a:xfrm>
+      </p:grpSpPr>
+      <p:sp>
+        <p:nvSpPr>
+          <p:cNvPr id="6" name="Title 5"/>
+          <p:cNvSpPr>
+            <a:spLocks noGrp="1"/>
+          </p:cNvSpPr>
+          <p:nvPr>
+            <p:ph type="ctrTitle"/>
+          </p:nvPr>
+        </p:nvSpPr>
+        <p:spPr/>
+        <p:txBody>
+          <a:bodyPr/>
+          <a:lstStyle/>
+          <a:p>
+            <a:r>
+              <a:rPr lang="en-GB" dirty="0" smtClean="0"/>
+              <a:t>Technical sequencer problems</a:t>
+            </a:r>
+            <a:endParaRPr lang="en-GB" dirty="0"/>
+          </a:p>
+        </p:txBody>
+      </p:sp>
+    </p:spTree>
+    <p:extLst>
+      <p:ext uri="{BB962C8B-B14F-4D97-AF65-F5344CB8AC3E}">
+        <p14:creationId xmlns:p14="http://schemas.microsoft.com/office/powerpoint/2010/main" val="360258828"/>
+      </p:ext>
+    </p:extLst>
+  </p:cSld>
+  <p:clrMapOvr>
+    <a:masterClrMapping/>
+  </p:clrMapOvr>
+  <p:timing>
+    <p:tnLst>
+      <p:par>
+        <p:cTn xmlns:p14="http://schemas.microsoft.com/office/powerpoint/2010/main" id="1" dur="indefinite" restart="never" nodeType="tmRoot"/>
+      </p:par>
+    </p:tnLst>
+  </p:timing>
+</p:sld>
+</file>
+
+<file path=ppt/slides/slide41.xml><?xml version="1.0" encoding="utf-8"?>
 <p:sld xmlns:a="http://schemas.openxmlformats.org/drawingml/2006/main" xmlns:r="http://schemas.openxmlformats.org/officeDocument/2006/relationships" xmlns:p="http://schemas.openxmlformats.org/presentationml/2006/main">
   <p:cSld>
     <p:spTree>
@@ -7960,7 +7959,7 @@
 </p:sld>
 </file>
 
-<file path=ppt/slides/slide41.xml><?xml version="1.0" encoding="utf-8"?>
+<file path=ppt/slides/slide42.xml><?xml version="1.0" encoding="utf-8"?>
 <p:sld xmlns:a="http://schemas.openxmlformats.org/drawingml/2006/main" xmlns:r="http://schemas.openxmlformats.org/officeDocument/2006/relationships" xmlns:p="http://schemas.openxmlformats.org/presentationml/2006/main">
   <p:cSld>
     <p:spTree>
@@ -8061,7 +8060,7 @@
 </p:sld>
 </file>
 
-<file path=ppt/slides/slide42.xml><?xml version="1.0" encoding="utf-8"?>
+<file path=ppt/slides/slide43.xml><?xml version="1.0" encoding="utf-8"?>
 <p:sld xmlns:a="http://schemas.openxmlformats.org/drawingml/2006/main" xmlns:r="http://schemas.openxmlformats.org/officeDocument/2006/relationships" xmlns:p="http://schemas.openxmlformats.org/presentationml/2006/main">
   <p:cSld>
     <p:spTree>
@@ -8328,7 +8327,7 @@
 </p:sld>
 </file>
 
-<file path=ppt/slides/slide43.xml><?xml version="1.0" encoding="utf-8"?>
+<file path=ppt/slides/slide44.xml><?xml version="1.0" encoding="utf-8"?>
 <p:sld xmlns:a="http://schemas.openxmlformats.org/drawingml/2006/main" xmlns:r="http://schemas.openxmlformats.org/officeDocument/2006/relationships" xmlns:p="http://schemas.openxmlformats.org/presentationml/2006/main">
   <p:cSld>
     <p:spTree>
@@ -8433,7 +8432,7 @@
 </p:sld>
 </file>
 
-<file path=ppt/slides/slide44.xml><?xml version="1.0" encoding="utf-8"?>
+<file path=ppt/slides/slide45.xml><?xml version="1.0" encoding="utf-8"?>
 <p:sld xmlns:a="http://schemas.openxmlformats.org/drawingml/2006/main" xmlns:r="http://schemas.openxmlformats.org/officeDocument/2006/relationships" xmlns:p="http://schemas.openxmlformats.org/presentationml/2006/main">
   <p:cSld>
     <p:spTree>
@@ -8460,7 +8459,12 @@
             <p:ph type="title"/>
           </p:nvPr>
         </p:nvSpPr>
-        <p:spPr/>
+        <p:spPr>
+          <a:xfrm>
+            <a:off x="0" y="231735"/>
+            <a:ext cx="8686800" cy="1143000"/>
+          </a:xfrm>
+        </p:spPr>
         <p:txBody>
           <a:bodyPr/>
           <a:lstStyle/>
@@ -8534,7 +8538,7 @@
 </p:sld>
 </file>
 
-<file path=ppt/slides/slide45.xml><?xml version="1.0" encoding="utf-8"?>
+<file path=ppt/slides/slide46.xml><?xml version="1.0" encoding="utf-8"?>
 <p:sld xmlns:a="http://schemas.openxmlformats.org/drawingml/2006/main" xmlns:r="http://schemas.openxmlformats.org/officeDocument/2006/relationships" xmlns:p="http://schemas.openxmlformats.org/presentationml/2006/main">
   <p:cSld>
     <p:spTree>
@@ -8561,7 +8565,12 @@
             <p:ph type="title"/>
           </p:nvPr>
         </p:nvSpPr>
-        <p:spPr/>
+        <p:spPr>
+          <a:xfrm>
+            <a:off x="0" y="214094"/>
+            <a:ext cx="9156458" cy="1143000"/>
+          </a:xfrm>
+        </p:spPr>
         <p:txBody>
           <a:bodyPr/>
           <a:lstStyle/>
@@ -8635,7 +8644,7 @@
 </p:sld>
 </file>
 
-<file path=ppt/slides/slide46.xml><?xml version="1.0" encoding="utf-8"?>
+<file path=ppt/slides/slide47.xml><?xml version="1.0" encoding="utf-8"?>
 <p:sld xmlns:a="http://schemas.openxmlformats.org/drawingml/2006/main" xmlns:r="http://schemas.openxmlformats.org/officeDocument/2006/relationships" xmlns:p="http://schemas.openxmlformats.org/presentationml/2006/main">
   <p:cSld>
     <p:spTree>
@@ -8972,7 +8981,7 @@
 </p:sld>
 </file>
 
-<file path=ppt/slides/slide47.xml><?xml version="1.0" encoding="utf-8"?>
+<file path=ppt/slides/slide48.xml><?xml version="1.0" encoding="utf-8"?>
 <p:sld xmlns:a="http://schemas.openxmlformats.org/drawingml/2006/main" xmlns:r="http://schemas.openxmlformats.org/officeDocument/2006/relationships" xmlns:p="http://schemas.openxmlformats.org/presentationml/2006/main">
   <p:cSld>
     <p:spTree>
@@ -9032,7 +9041,7 @@
 </p:sld>
 </file>
 
-<file path=ppt/slides/slide48.xml><?xml version="1.0" encoding="utf-8"?>
+<file path=ppt/slides/slide49.xml><?xml version="1.0" encoding="utf-8"?>
 <p:sld xmlns:a="http://schemas.openxmlformats.org/drawingml/2006/main" xmlns:r="http://schemas.openxmlformats.org/officeDocument/2006/relationships" xmlns:p="http://schemas.openxmlformats.org/presentationml/2006/main">
   <p:cSld>
     <p:spTree>
@@ -9309,7 +9318,132 @@
 </p:sld>
 </file>
 
-<file path=ppt/slides/slide49.xml><?xml version="1.0" encoding="utf-8"?>
+<file path=ppt/slides/slide5.xml><?xml version="1.0" encoding="utf-8"?>
+<p:sld xmlns:a="http://schemas.openxmlformats.org/drawingml/2006/main" xmlns:r="http://schemas.openxmlformats.org/officeDocument/2006/relationships" xmlns:p="http://schemas.openxmlformats.org/presentationml/2006/main">
+  <p:cSld>
+    <p:spTree>
+      <p:nvGrpSpPr>
+        <p:cNvPr id="1" name=""/>
+        <p:cNvGrpSpPr/>
+        <p:nvPr/>
+      </p:nvGrpSpPr>
+      <p:grpSpPr>
+        <a:xfrm>
+          <a:off x="0" y="0"/>
+          <a:ext cx="0" cy="0"/>
+          <a:chOff x="0" y="0"/>
+          <a:chExt cx="0" cy="0"/>
+        </a:xfrm>
+      </p:grpSpPr>
+      <p:sp>
+        <p:nvSpPr>
+          <p:cNvPr id="2" name="Title 1"/>
+          <p:cNvSpPr>
+            <a:spLocks noGrp="1"/>
+          </p:cNvSpPr>
+          <p:nvPr>
+            <p:ph type="title"/>
+          </p:nvPr>
+        </p:nvSpPr>
+        <p:spPr/>
+        <p:txBody>
+          <a:bodyPr/>
+          <a:lstStyle/>
+          <a:p>
+            <a:r>
+              <a:rPr lang="en-US" dirty="0"/>
+              <a:t>3</a:t>
+            </a:r>
+            <a:r>
+              <a:rPr lang="en-US" dirty="0" smtClean="0"/>
+              <a:t>. Assembly</a:t>
+            </a:r>
+            <a:endParaRPr lang="en-US" dirty="0"/>
+          </a:p>
+        </p:txBody>
+      </p:sp>
+      <p:sp>
+        <p:nvSpPr>
+          <p:cNvPr id="5" name="TextBox 4"/>
+          <p:cNvSpPr txBox="1"/>
+          <p:nvPr/>
+        </p:nvSpPr>
+        <p:spPr>
+          <a:xfrm>
+            <a:off x="1195136" y="1657684"/>
+            <a:ext cx="7120021" cy="1200328"/>
+          </a:xfrm>
+          <a:prstGeom prst="rect">
+            <a:avLst/>
+          </a:prstGeom>
+          <a:noFill/>
+        </p:spPr>
+        <p:txBody>
+          <a:bodyPr wrap="square" rtlCol="0">
+            <a:spAutoFit/>
+          </a:bodyPr>
+          <a:lstStyle/>
+          <a:p>
+            <a:pPr algn="ctr"/>
+            <a:r>
+              <a:rPr lang="en-US" sz="2400" dirty="0" smtClean="0"/>
+              <a:t>We don’t have a genome or any reference, and we want to construct one.</a:t>
+            </a:r>
+          </a:p>
+          <a:p>
+            <a:pPr algn="ctr"/>
+            <a:r>
+              <a:rPr lang="en-US" sz="2400" dirty="0" smtClean="0"/>
+              <a:t>(This is how all new genomes are sequenced.)</a:t>
+            </a:r>
+            <a:endParaRPr lang="en-US" sz="2400" dirty="0"/>
+          </a:p>
+        </p:txBody>
+      </p:sp>
+      <p:pic>
+        <p:nvPicPr>
+          <p:cNvPr id="6" name="Content Placeholder 3"/>
+          <p:cNvPicPr>
+            <a:picLocks noChangeAspect="1"/>
+          </p:cNvPicPr>
+          <p:nvPr/>
+        </p:nvPicPr>
+        <p:blipFill rotWithShape="1">
+          <a:blip r:embed="rId2"/>
+          <a:srcRect l="64190" t="19458" b="-2756"/>
+          <a:stretch/>
+        </p:blipFill>
+        <p:spPr>
+          <a:xfrm>
+            <a:off x="1991894" y="3342105"/>
+            <a:ext cx="5307264" cy="2829524"/>
+          </a:xfrm>
+          <a:prstGeom prst="rect">
+            <a:avLst/>
+          </a:prstGeom>
+        </p:spPr>
+      </p:pic>
+    </p:spTree>
+    <p:extLst>
+      <p:ext uri="{BB962C8B-B14F-4D97-AF65-F5344CB8AC3E}">
+        <p14:creationId xmlns:p14="http://schemas.microsoft.com/office/powerpoint/2010/main" val="3284695545"/>
+      </p:ext>
+    </p:extLst>
+  </p:cSld>
+  <p:clrMapOvr>
+    <a:masterClrMapping/>
+  </p:clrMapOvr>
+  <p:timing>
+    <p:tnLst>
+      <p:par>
+        <p:cTn xmlns:p14="http://schemas.microsoft.com/office/powerpoint/2010/main" id="1" dur="indefinite" restart="never" nodeType="tmRoot"/>
+      </p:par>
+    </p:tnLst>
+  </p:timing>
+</p:sld>
+</file>
+
+<file path=ppt/slides/slide50.xml><?xml version="1.0" encoding="utf-8"?>
 <p:sld xmlns:a="http://schemas.openxmlformats.org/drawingml/2006/main" xmlns:r="http://schemas.openxmlformats.org/officeDocument/2006/relationships" xmlns:p="http://schemas.openxmlformats.org/presentationml/2006/main">
   <p:cSld>
     <p:spTree>
@@ -9586,132 +9720,7 @@
 </p:sld>
 </file>
 
-<file path=ppt/slides/slide5.xml><?xml version="1.0" encoding="utf-8"?>
-<p:sld xmlns:a="http://schemas.openxmlformats.org/drawingml/2006/main" xmlns:r="http://schemas.openxmlformats.org/officeDocument/2006/relationships" xmlns:p="http://schemas.openxmlformats.org/presentationml/2006/main">
-  <p:cSld>
-    <p:spTree>
-      <p:nvGrpSpPr>
-        <p:cNvPr id="1" name=""/>
-        <p:cNvGrpSpPr/>
-        <p:nvPr/>
-      </p:nvGrpSpPr>
-      <p:grpSpPr>
-        <a:xfrm>
-          <a:off x="0" y="0"/>
-          <a:ext cx="0" cy="0"/>
-          <a:chOff x="0" y="0"/>
-          <a:chExt cx="0" cy="0"/>
-        </a:xfrm>
-      </p:grpSpPr>
-      <p:sp>
-        <p:nvSpPr>
-          <p:cNvPr id="2" name="Title 1"/>
-          <p:cNvSpPr>
-            <a:spLocks noGrp="1"/>
-          </p:cNvSpPr>
-          <p:nvPr>
-            <p:ph type="title"/>
-          </p:nvPr>
-        </p:nvSpPr>
-        <p:spPr/>
-        <p:txBody>
-          <a:bodyPr/>
-          <a:lstStyle/>
-          <a:p>
-            <a:r>
-              <a:rPr lang="en-US" dirty="0"/>
-              <a:t>3</a:t>
-            </a:r>
-            <a:r>
-              <a:rPr lang="en-US" dirty="0" smtClean="0"/>
-              <a:t>. Assembly</a:t>
-            </a:r>
-            <a:endParaRPr lang="en-US" dirty="0"/>
-          </a:p>
-        </p:txBody>
-      </p:sp>
-      <p:sp>
-        <p:nvSpPr>
-          <p:cNvPr id="5" name="TextBox 4"/>
-          <p:cNvSpPr txBox="1"/>
-          <p:nvPr/>
-        </p:nvSpPr>
-        <p:spPr>
-          <a:xfrm>
-            <a:off x="1195136" y="1657684"/>
-            <a:ext cx="7120021" cy="1200328"/>
-          </a:xfrm>
-          <a:prstGeom prst="rect">
-            <a:avLst/>
-          </a:prstGeom>
-          <a:noFill/>
-        </p:spPr>
-        <p:txBody>
-          <a:bodyPr wrap="square" rtlCol="0">
-            <a:spAutoFit/>
-          </a:bodyPr>
-          <a:lstStyle/>
-          <a:p>
-            <a:pPr algn="ctr"/>
-            <a:r>
-              <a:rPr lang="en-US" sz="2400" dirty="0" smtClean="0"/>
-              <a:t>We don’t have a genome or any reference, and we want to construct one.</a:t>
-            </a:r>
-          </a:p>
-          <a:p>
-            <a:pPr algn="ctr"/>
-            <a:r>
-              <a:rPr lang="en-US" sz="2400" dirty="0" smtClean="0"/>
-              <a:t>(This is how all new genomes are sequenced.)</a:t>
-            </a:r>
-            <a:endParaRPr lang="en-US" sz="2400" dirty="0"/>
-          </a:p>
-        </p:txBody>
-      </p:sp>
-      <p:pic>
-        <p:nvPicPr>
-          <p:cNvPr id="6" name="Content Placeholder 3"/>
-          <p:cNvPicPr>
-            <a:picLocks noChangeAspect="1"/>
-          </p:cNvPicPr>
-          <p:nvPr/>
-        </p:nvPicPr>
-        <p:blipFill rotWithShape="1">
-          <a:blip r:embed="rId2"/>
-          <a:srcRect l="64190" t="19458" b="-2756"/>
-          <a:stretch/>
-        </p:blipFill>
-        <p:spPr>
-          <a:xfrm>
-            <a:off x="1991894" y="3342105"/>
-            <a:ext cx="5307264" cy="2829524"/>
-          </a:xfrm>
-          <a:prstGeom prst="rect">
-            <a:avLst/>
-          </a:prstGeom>
-        </p:spPr>
-      </p:pic>
-    </p:spTree>
-    <p:extLst>
-      <p:ext uri="{BB962C8B-B14F-4D97-AF65-F5344CB8AC3E}">
-        <p14:creationId xmlns:p14="http://schemas.microsoft.com/office/powerpoint/2010/main" val="3284695545"/>
-      </p:ext>
-    </p:extLst>
-  </p:cSld>
-  <p:clrMapOvr>
-    <a:masterClrMapping/>
-  </p:clrMapOvr>
-  <p:timing>
-    <p:tnLst>
-      <p:par>
-        <p:cTn xmlns:p14="http://schemas.microsoft.com/office/powerpoint/2010/main" id="1" dur="indefinite" restart="never" nodeType="tmRoot"/>
-      </p:par>
-    </p:tnLst>
-  </p:timing>
-</p:sld>
-</file>
-
-<file path=ppt/slides/slide50.xml><?xml version="1.0" encoding="utf-8"?>
+<file path=ppt/slides/slide51.xml><?xml version="1.0" encoding="utf-8"?>
 <p:sld xmlns:a="http://schemas.openxmlformats.org/drawingml/2006/main" xmlns:r="http://schemas.openxmlformats.org/officeDocument/2006/relationships" xmlns:p="http://schemas.openxmlformats.org/presentationml/2006/main">
   <p:cSld>
     <p:spTree>
@@ -9771,7 +9780,7 @@
 </p:sld>
 </file>
 
-<file path=ppt/slides/slide51.xml><?xml version="1.0" encoding="utf-8"?>
+<file path=ppt/slides/slide52.xml><?xml version="1.0" encoding="utf-8"?>
 <p:sld xmlns:a="http://schemas.openxmlformats.org/drawingml/2006/main" xmlns:r="http://schemas.openxmlformats.org/officeDocument/2006/relationships" xmlns:p="http://schemas.openxmlformats.org/presentationml/2006/main">
   <p:cSld>
     <p:spTree>
@@ -9872,7 +9881,7 @@
 </p:sld>
 </file>
 
-<file path=ppt/slides/slide52.xml><?xml version="1.0" encoding="utf-8"?>
+<file path=ppt/slides/slide53.xml><?xml version="1.0" encoding="utf-8"?>
 <p:sld xmlns:a="http://schemas.openxmlformats.org/drawingml/2006/main" xmlns:r="http://schemas.openxmlformats.org/officeDocument/2006/relationships" xmlns:p="http://schemas.openxmlformats.org/presentationml/2006/main">
   <p:cSld>
     <p:spTree>
@@ -10432,7 +10441,7 @@
 </p:sld>
 </file>
 
-<file path=ppt/slides/slide53.xml><?xml version="1.0" encoding="utf-8"?>
+<file path=ppt/slides/slide54.xml><?xml version="1.0" encoding="utf-8"?>
 <p:sld xmlns:a="http://schemas.openxmlformats.org/drawingml/2006/main" xmlns:r="http://schemas.openxmlformats.org/officeDocument/2006/relationships" xmlns:p="http://schemas.openxmlformats.org/presentationml/2006/main">
   <p:cSld>
     <p:spTree>
@@ -10559,7 +10568,7 @@
 </p:sld>
 </file>
 
-<file path=ppt/slides/slide54.xml><?xml version="1.0" encoding="utf-8"?>
+<file path=ppt/slides/slide55.xml><?xml version="1.0" encoding="utf-8"?>
 <p:sld xmlns:a="http://schemas.openxmlformats.org/drawingml/2006/main" xmlns:r="http://schemas.openxmlformats.org/officeDocument/2006/relationships" xmlns:p="http://schemas.openxmlformats.org/presentationml/2006/main">
   <p:cSld>
     <p:spTree>
@@ -10715,7 +10724,7 @@
 </p:sld>
 </file>
 
-<file path=ppt/slides/slide55.xml><?xml version="1.0" encoding="utf-8"?>
+<file path=ppt/slides/slide56.xml><?xml version="1.0" encoding="utf-8"?>
 <p:sld xmlns:a="http://schemas.openxmlformats.org/drawingml/2006/main" xmlns:r="http://schemas.openxmlformats.org/officeDocument/2006/relationships" xmlns:p="http://schemas.openxmlformats.org/presentationml/2006/main">
   <p:cSld>
     <p:spTree>
@@ -10829,7 +10838,7 @@
 </p:sld>
 </file>
 
-<file path=ppt/slides/slide56.xml><?xml version="1.0" encoding="utf-8"?>
+<file path=ppt/slides/slide57.xml><?xml version="1.0" encoding="utf-8"?>
 <p:sld xmlns:a="http://schemas.openxmlformats.org/drawingml/2006/main" xmlns:r="http://schemas.openxmlformats.org/officeDocument/2006/relationships" xmlns:p="http://schemas.openxmlformats.org/presentationml/2006/main">
   <p:cSld>
     <p:spTree>
@@ -10939,106 +10948,6 @@
 </p:sld>
 </file>
 
-<file path=ppt/slides/slide57.xml><?xml version="1.0" encoding="utf-8"?>
-<p:sld xmlns:a="http://schemas.openxmlformats.org/drawingml/2006/main" xmlns:r="http://schemas.openxmlformats.org/officeDocument/2006/relationships" xmlns:p="http://schemas.openxmlformats.org/presentationml/2006/main">
-  <p:cSld>
-    <p:spTree>
-      <p:nvGrpSpPr>
-        <p:cNvPr id="1" name=""/>
-        <p:cNvGrpSpPr/>
-        <p:nvPr/>
-      </p:nvGrpSpPr>
-      <p:grpSpPr>
-        <a:xfrm>
-          <a:off x="0" y="0"/>
-          <a:ext cx="0" cy="0"/>
-          <a:chOff x="0" y="0"/>
-          <a:chExt cx="0" cy="0"/>
-        </a:xfrm>
-      </p:grpSpPr>
-      <p:sp>
-        <p:nvSpPr>
-          <p:cNvPr id="2" name="Title 1"/>
-          <p:cNvSpPr>
-            <a:spLocks noGrp="1"/>
-          </p:cNvSpPr>
-          <p:nvPr>
-            <p:ph type="title"/>
-          </p:nvPr>
-        </p:nvSpPr>
-        <p:spPr/>
-        <p:txBody>
-          <a:bodyPr>
-            <a:normAutofit fontScale="90000"/>
-          </a:bodyPr>
-          <a:lstStyle/>
-          <a:p>
-            <a:r>
-              <a:rPr lang="en-GB" dirty="0" smtClean="0"/>
-              <a:t>Overrepresented Individual Sequences</a:t>
-            </a:r>
-            <a:endParaRPr lang="en-GB" dirty="0"/>
-          </a:p>
-        </p:txBody>
-      </p:sp>
-      <p:sp>
-        <p:nvSpPr>
-          <p:cNvPr id="3" name="Content Placeholder 2"/>
-          <p:cNvSpPr>
-            <a:spLocks noGrp="1"/>
-          </p:cNvSpPr>
-          <p:nvPr>
-            <p:ph idx="1"/>
-          </p:nvPr>
-        </p:nvSpPr>
-        <p:spPr/>
-        <p:txBody>
-          <a:bodyPr/>
-          <a:lstStyle/>
-          <a:p>
-            <a:r>
-              <a:rPr lang="en-GB" dirty="0" smtClean="0"/>
-              <a:t>Adapter dimers</a:t>
-            </a:r>
-          </a:p>
-          <a:p>
-            <a:r>
-              <a:rPr lang="en-GB" dirty="0" err="1" smtClean="0"/>
-              <a:t>rRNA</a:t>
-            </a:r>
-            <a:endParaRPr lang="en-GB" dirty="0" smtClean="0"/>
-          </a:p>
-          <a:p>
-            <a:r>
-              <a:rPr lang="en-GB" dirty="0" smtClean="0"/>
-              <a:t>Satellite sequences</a:t>
-            </a:r>
-          </a:p>
-          <a:p>
-            <a:endParaRPr lang="en-GB" dirty="0"/>
-          </a:p>
-        </p:txBody>
-      </p:sp>
-    </p:spTree>
-    <p:extLst>
-      <p:ext uri="{BB962C8B-B14F-4D97-AF65-F5344CB8AC3E}">
-        <p14:creationId xmlns:p14="http://schemas.microsoft.com/office/powerpoint/2010/main" val="2595238982"/>
-      </p:ext>
-    </p:extLst>
-  </p:cSld>
-  <p:clrMapOvr>
-    <a:masterClrMapping/>
-  </p:clrMapOvr>
-  <p:timing>
-    <p:tnLst>
-      <p:par>
-        <p:cTn xmlns:p14="http://schemas.microsoft.com/office/powerpoint/2010/main" id="1" dur="indefinite" restart="never" nodeType="tmRoot"/>
-      </p:par>
-    </p:tnLst>
-  </p:timing>
-</p:sld>
-</file>
-
 <file path=ppt/slides/slide58.xml><?xml version="1.0" encoding="utf-8"?>
 <p:sld xmlns:a="http://schemas.openxmlformats.org/drawingml/2006/main" xmlns:r="http://schemas.openxmlformats.org/officeDocument/2006/relationships" xmlns:p="http://schemas.openxmlformats.org/presentationml/2006/main">
   <p:cSld>
@@ -11058,23 +10967,63 @@
       </p:grpSpPr>
       <p:sp>
         <p:nvSpPr>
-          <p:cNvPr id="4" name="Title 3"/>
-          <p:cNvSpPr>
-            <a:spLocks noGrp="1"/>
-          </p:cNvSpPr>
-          <p:nvPr>
-            <p:ph type="ctrTitle"/>
+          <p:cNvPr id="2" name="Title 1"/>
+          <p:cNvSpPr>
+            <a:spLocks noGrp="1"/>
+          </p:cNvSpPr>
+          <p:nvPr>
+            <p:ph type="title"/>
           </p:nvPr>
         </p:nvSpPr>
         <p:spPr/>
         <p:txBody>
+          <a:bodyPr>
+            <a:normAutofit fontScale="90000"/>
+          </a:bodyPr>
+          <a:lstStyle/>
+          <a:p>
+            <a:r>
+              <a:rPr lang="en-GB" dirty="0" smtClean="0"/>
+              <a:t>Overrepresented Individual Sequences</a:t>
+            </a:r>
+            <a:endParaRPr lang="en-GB" dirty="0"/>
+          </a:p>
+        </p:txBody>
+      </p:sp>
+      <p:sp>
+        <p:nvSpPr>
+          <p:cNvPr id="3" name="Content Placeholder 2"/>
+          <p:cNvSpPr>
+            <a:spLocks noGrp="1"/>
+          </p:cNvSpPr>
+          <p:nvPr>
+            <p:ph idx="1"/>
+          </p:nvPr>
+        </p:nvSpPr>
+        <p:spPr/>
+        <p:txBody>
           <a:bodyPr/>
           <a:lstStyle/>
           <a:p>
             <a:r>
               <a:rPr lang="en-GB" dirty="0" smtClean="0"/>
-              <a:t>My data doesn’t map well…</a:t>
-            </a:r>
+              <a:t>Adapter dimers</a:t>
+            </a:r>
+          </a:p>
+          <a:p>
+            <a:r>
+              <a:rPr lang="en-GB" dirty="0" err="1" smtClean="0"/>
+              <a:t>rRNA</a:t>
+            </a:r>
+            <a:endParaRPr lang="en-GB" dirty="0" smtClean="0"/>
+          </a:p>
+          <a:p>
+            <a:r>
+              <a:rPr lang="en-GB" dirty="0" smtClean="0"/>
+              <a:t>Satellite sequences</a:t>
+            </a:r>
+          </a:p>
+          <a:p>
             <a:endParaRPr lang="en-GB" dirty="0"/>
           </a:p>
         </p:txBody>
@@ -11082,7 +11031,7 @@
     </p:spTree>
     <p:extLst>
       <p:ext uri="{BB962C8B-B14F-4D97-AF65-F5344CB8AC3E}">
-        <p14:creationId xmlns:p14="http://schemas.microsoft.com/office/powerpoint/2010/main" val="463986074"/>
+        <p14:creationId xmlns:p14="http://schemas.microsoft.com/office/powerpoint/2010/main" val="2595238982"/>
       </p:ext>
     </p:extLst>
   </p:cSld>
@@ -11118,95 +11067,22 @@
       </p:grpSpPr>
       <p:sp>
         <p:nvSpPr>
-          <p:cNvPr id="2" name="Title 1"/>
-          <p:cNvSpPr>
-            <a:spLocks noGrp="1"/>
-          </p:cNvSpPr>
-          <p:nvPr>
-            <p:ph type="title"/>
+          <p:cNvPr id="4" name="Title 3"/>
+          <p:cNvSpPr>
+            <a:spLocks noGrp="1"/>
+          </p:cNvSpPr>
+          <p:nvPr>
+            <p:ph type="ctrTitle"/>
           </p:nvPr>
         </p:nvSpPr>
         <p:spPr/>
         <p:txBody>
-          <a:bodyPr>
-            <a:normAutofit fontScale="90000"/>
-          </a:bodyPr>
+          <a:bodyPr/>
           <a:lstStyle/>
           <a:p>
             <a:r>
               <a:rPr lang="en-GB" dirty="0" smtClean="0"/>
-              <a:t>Contaminated with guessable sequence</a:t>
-            </a:r>
-            <a:endParaRPr lang="en-GB" dirty="0"/>
-          </a:p>
-        </p:txBody>
-      </p:sp>
-      <p:pic>
-        <p:nvPicPr>
-          <p:cNvPr id="3074" name="Picture 2" descr="C:\Users\andrewss\Desktop\contaimated_screen.png"/>
-          <p:cNvPicPr>
-            <a:picLocks noChangeAspect="1" noChangeArrowheads="1"/>
-          </p:cNvPicPr>
-          <p:nvPr/>
-        </p:nvPicPr>
-        <p:blipFill>
-          <a:blip r:embed="rId2">
-            <a:extLst>
-              <a:ext uri="{28A0092B-C50C-407E-A947-70E740481C1C}">
-                <a14:useLocalDpi xmlns:a14="http://schemas.microsoft.com/office/drawing/2010/main" val="0"/>
-              </a:ext>
-            </a:extLst>
-          </a:blip>
-          <a:srcRect/>
-          <a:stretch>
-            <a:fillRect/>
-          </a:stretch>
-        </p:blipFill>
-        <p:spPr bwMode="auto">
-          <a:xfrm>
-            <a:off x="107504" y="1921872"/>
-            <a:ext cx="8983976" cy="3811384"/>
-          </a:xfrm>
-          <a:prstGeom prst="rect">
-            <a:avLst/>
-          </a:prstGeom>
-          <a:noFill/>
-          <a:extLst>
-            <a:ext uri="{909E8E84-426E-40dd-AFC4-6F175D3DCCD1}">
-              <a14:hiddenFill xmlns:a14="http://schemas.microsoft.com/office/drawing/2010/main">
-                <a:solidFill>
-                  <a:srgbClr val="FFFFFF"/>
-                </a:solidFill>
-              </a14:hiddenFill>
-            </a:ext>
-          </a:extLst>
-        </p:spPr>
-      </p:pic>
-      <p:sp>
-        <p:nvSpPr>
-          <p:cNvPr id="4" name="TextBox 3"/>
-          <p:cNvSpPr txBox="1"/>
-          <p:nvPr/>
-        </p:nvSpPr>
-        <p:spPr>
-          <a:xfrm>
-            <a:off x="1979712" y="6381328"/>
-            <a:ext cx="5764014" cy="369332"/>
-          </a:xfrm>
-          <a:prstGeom prst="rect">
-            <a:avLst/>
-          </a:prstGeom>
-          <a:noFill/>
-        </p:spPr>
-        <p:txBody>
-          <a:bodyPr wrap="none" rtlCol="0">
-            <a:spAutoFit/>
-          </a:bodyPr>
-          <a:lstStyle/>
-          <a:p>
-            <a:r>
-              <a:rPr lang="en-GB" dirty="0" smtClean="0"/>
-              <a:t>www.bioinformatics.babraham.ac.uk/projects/fastq_screen</a:t>
+              <a:t>My data doesn’t map well…</a:t>
             </a:r>
             <a:endParaRPr lang="en-GB" dirty="0"/>
           </a:p>
@@ -11215,7 +11091,7 @@
     </p:spTree>
     <p:extLst>
       <p:ext uri="{BB962C8B-B14F-4D97-AF65-F5344CB8AC3E}">
-        <p14:creationId xmlns:p14="http://schemas.microsoft.com/office/powerpoint/2010/main" val="245706767"/>
+        <p14:creationId xmlns:p14="http://schemas.microsoft.com/office/powerpoint/2010/main" val="463986074"/>
       </p:ext>
     </p:extLst>
   </p:cSld>
@@ -11337,6 +11213,139 @@
       </p:sp>
       <p:pic>
         <p:nvPicPr>
+          <p:cNvPr id="3074" name="Picture 2" descr="C:\Users\andrewss\Desktop\contaimated_screen.png"/>
+          <p:cNvPicPr>
+            <a:picLocks noChangeAspect="1" noChangeArrowheads="1"/>
+          </p:cNvPicPr>
+          <p:nvPr/>
+        </p:nvPicPr>
+        <p:blipFill>
+          <a:blip r:embed="rId2">
+            <a:extLst>
+              <a:ext uri="{28A0092B-C50C-407E-A947-70E740481C1C}">
+                <a14:useLocalDpi xmlns:a14="http://schemas.microsoft.com/office/drawing/2010/main" val="0"/>
+              </a:ext>
+            </a:extLst>
+          </a:blip>
+          <a:srcRect/>
+          <a:stretch>
+            <a:fillRect/>
+          </a:stretch>
+        </p:blipFill>
+        <p:spPr bwMode="auto">
+          <a:xfrm>
+            <a:off x="107504" y="1921872"/>
+            <a:ext cx="8983976" cy="3811384"/>
+          </a:xfrm>
+          <a:prstGeom prst="rect">
+            <a:avLst/>
+          </a:prstGeom>
+          <a:noFill/>
+          <a:extLst>
+            <a:ext uri="{909E8E84-426E-40dd-AFC4-6F175D3DCCD1}">
+              <a14:hiddenFill xmlns:a14="http://schemas.microsoft.com/office/drawing/2010/main">
+                <a:solidFill>
+                  <a:srgbClr val="FFFFFF"/>
+                </a:solidFill>
+              </a14:hiddenFill>
+            </a:ext>
+          </a:extLst>
+        </p:spPr>
+      </p:pic>
+      <p:sp>
+        <p:nvSpPr>
+          <p:cNvPr id="4" name="TextBox 3"/>
+          <p:cNvSpPr txBox="1"/>
+          <p:nvPr/>
+        </p:nvSpPr>
+        <p:spPr>
+          <a:xfrm>
+            <a:off x="1979712" y="6381328"/>
+            <a:ext cx="5764014" cy="369332"/>
+          </a:xfrm>
+          <a:prstGeom prst="rect">
+            <a:avLst/>
+          </a:prstGeom>
+          <a:noFill/>
+        </p:spPr>
+        <p:txBody>
+          <a:bodyPr wrap="none" rtlCol="0">
+            <a:spAutoFit/>
+          </a:bodyPr>
+          <a:lstStyle/>
+          <a:p>
+            <a:r>
+              <a:rPr lang="en-GB" dirty="0" smtClean="0"/>
+              <a:t>www.bioinformatics.babraham.ac.uk/projects/fastq_screen</a:t>
+            </a:r>
+            <a:endParaRPr lang="en-GB" dirty="0"/>
+          </a:p>
+        </p:txBody>
+      </p:sp>
+    </p:spTree>
+    <p:extLst>
+      <p:ext uri="{BB962C8B-B14F-4D97-AF65-F5344CB8AC3E}">
+        <p14:creationId xmlns:p14="http://schemas.microsoft.com/office/powerpoint/2010/main" val="245706767"/>
+      </p:ext>
+    </p:extLst>
+  </p:cSld>
+  <p:clrMapOvr>
+    <a:masterClrMapping/>
+  </p:clrMapOvr>
+  <p:timing>
+    <p:tnLst>
+      <p:par>
+        <p:cTn xmlns:p14="http://schemas.microsoft.com/office/powerpoint/2010/main" id="1" dur="indefinite" restart="never" nodeType="tmRoot"/>
+      </p:par>
+    </p:tnLst>
+  </p:timing>
+</p:sld>
+</file>
+
+<file path=ppt/slides/slide61.xml><?xml version="1.0" encoding="utf-8"?>
+<p:sld xmlns:a="http://schemas.openxmlformats.org/drawingml/2006/main" xmlns:r="http://schemas.openxmlformats.org/officeDocument/2006/relationships" xmlns:p="http://schemas.openxmlformats.org/presentationml/2006/main">
+  <p:cSld>
+    <p:spTree>
+      <p:nvGrpSpPr>
+        <p:cNvPr id="1" name=""/>
+        <p:cNvGrpSpPr/>
+        <p:nvPr/>
+      </p:nvGrpSpPr>
+      <p:grpSpPr>
+        <a:xfrm>
+          <a:off x="0" y="0"/>
+          <a:ext cx="0" cy="0"/>
+          <a:chOff x="0" y="0"/>
+          <a:chExt cx="0" cy="0"/>
+        </a:xfrm>
+      </p:grpSpPr>
+      <p:sp>
+        <p:nvSpPr>
+          <p:cNvPr id="2" name="Title 1"/>
+          <p:cNvSpPr>
+            <a:spLocks noGrp="1"/>
+          </p:cNvSpPr>
+          <p:nvPr>
+            <p:ph type="title"/>
+          </p:nvPr>
+        </p:nvSpPr>
+        <p:spPr/>
+        <p:txBody>
+          <a:bodyPr>
+            <a:normAutofit fontScale="90000"/>
+          </a:bodyPr>
+          <a:lstStyle/>
+          <a:p>
+            <a:r>
+              <a:rPr lang="en-GB" dirty="0" smtClean="0"/>
+              <a:t>Contaminated with guessable sequence</a:t>
+            </a:r>
+            <a:endParaRPr lang="en-GB" dirty="0"/>
+          </a:p>
+        </p:txBody>
+      </p:sp>
+      <p:pic>
+        <p:nvPicPr>
           <p:cNvPr id="4" name="Picture 3" descr="Screen Shot 2015-03-09 at 13.45.22.png"/>
           <p:cNvPicPr>
             <a:picLocks noChangeAspect="1"/>
@@ -11415,7 +11424,7 @@
 </p:sld>
 </file>
 
-<file path=ppt/slides/slide61.xml><?xml version="1.0" encoding="utf-8"?>
+<file path=ppt/slides/slide62.xml><?xml version="1.0" encoding="utf-8"?>
 <p:sld xmlns:a="http://schemas.openxmlformats.org/drawingml/2006/main" xmlns:r="http://schemas.openxmlformats.org/officeDocument/2006/relationships" xmlns:p="http://schemas.openxmlformats.org/presentationml/2006/main">
   <p:cSld>
     <p:spTree>
@@ -11972,7 +11981,7 @@
 </p:sld>
 </file>
 
-<file path=ppt/slides/slide62.xml><?xml version="1.0" encoding="utf-8"?>
+<file path=ppt/slides/slide63.xml><?xml version="1.0" encoding="utf-8"?>
 <p:sld xmlns:a="http://schemas.openxmlformats.org/drawingml/2006/main" xmlns:r="http://schemas.openxmlformats.org/officeDocument/2006/relationships" xmlns:p="http://schemas.openxmlformats.org/presentationml/2006/main">
   <p:cSld>
     <p:spTree>
@@ -12290,7 +12299,7 @@
 </p:sld>
 </file>
 
-<file path=ppt/slides/slide63.xml><?xml version="1.0" encoding="utf-8"?>
+<file path=ppt/slides/slide64.xml><?xml version="1.0" encoding="utf-8"?>
 <p:sld xmlns:a="http://schemas.openxmlformats.org/drawingml/2006/main" xmlns:r="http://schemas.openxmlformats.org/officeDocument/2006/relationships" xmlns:p="http://schemas.openxmlformats.org/presentationml/2006/main">
   <p:cSld>
     <p:spTree>
@@ -12646,78 +12655,6 @@
 </p:sld>
 </file>
 
-<file path=ppt/slides/slide64.xml><?xml version="1.0" encoding="utf-8"?>
-<p:sld xmlns:a="http://schemas.openxmlformats.org/drawingml/2006/main" xmlns:r="http://schemas.openxmlformats.org/officeDocument/2006/relationships" xmlns:p="http://schemas.openxmlformats.org/presentationml/2006/main">
-  <p:cSld>
-    <p:spTree>
-      <p:nvGrpSpPr>
-        <p:cNvPr id="1" name=""/>
-        <p:cNvGrpSpPr/>
-        <p:nvPr/>
-      </p:nvGrpSpPr>
-      <p:grpSpPr>
-        <a:xfrm>
-          <a:off x="0" y="0"/>
-          <a:ext cx="0" cy="0"/>
-          <a:chOff x="0" y="0"/>
-          <a:chExt cx="0" cy="0"/>
-        </a:xfrm>
-      </p:grpSpPr>
-      <p:sp>
-        <p:nvSpPr>
-          <p:cNvPr id="2" name="Title 1"/>
-          <p:cNvSpPr>
-            <a:spLocks noGrp="1"/>
-          </p:cNvSpPr>
-          <p:nvPr>
-            <p:ph type="title"/>
-          </p:nvPr>
-        </p:nvSpPr>
-        <p:spPr/>
-        <p:txBody>
-          <a:bodyPr/>
-          <a:lstStyle/>
-          <a:p>
-            <a:r>
-              <a:rPr lang="en-US" dirty="0" smtClean="0"/>
-              <a:t>Later this week --</a:t>
-            </a:r>
-            <a:endParaRPr lang="en-US" dirty="0"/>
-          </a:p>
-        </p:txBody>
-      </p:sp>
-      <p:sp>
-        <p:nvSpPr>
-          <p:cNvPr id="3" name="Content Placeholder 2"/>
-          <p:cNvSpPr>
-            <a:spLocks noGrp="1"/>
-          </p:cNvSpPr>
-          <p:nvPr>
-            <p:ph idx="1"/>
-          </p:nvPr>
-        </p:nvSpPr>
-        <p:spPr/>
-        <p:txBody>
-          <a:bodyPr/>
-          <a:lstStyle/>
-          <a:p>
-            <a:endParaRPr lang="en-US"/>
-          </a:p>
-        </p:txBody>
-      </p:sp>
-    </p:spTree>
-    <p:extLst>
-      <p:ext uri="{BB962C8B-B14F-4D97-AF65-F5344CB8AC3E}">
-        <p14:creationId xmlns:p14="http://schemas.microsoft.com/office/powerpoint/2010/main" val="819240693"/>
-      </p:ext>
-    </p:extLst>
-  </p:cSld>
-  <p:clrMapOvr>
-    <a:masterClrMapping/>
-  </p:clrMapOvr>
-</p:sld>
-</file>
-
 <file path=ppt/slides/slide65.xml><?xml version="1.0" encoding="utf-8"?>
 <p:sld xmlns:a="http://schemas.openxmlformats.org/drawingml/2006/main" xmlns:r="http://schemas.openxmlformats.org/officeDocument/2006/relationships" xmlns:p="http://schemas.openxmlformats.org/presentationml/2006/main">
   <p:cSld>
@@ -12751,44 +12688,154 @@
           <a:lstStyle/>
           <a:p>
             <a:r>
-              <a:rPr lang="en-US" sz="4000" dirty="0" smtClean="0"/>
-              <a:t>Reference &amp; quality-score independent approaches (k-</a:t>
-            </a:r>
-            <a:r>
-              <a:rPr lang="en-US" sz="4000" dirty="0" err="1" smtClean="0"/>
-              <a:t>mers</a:t>
-            </a:r>
-            <a:r>
-              <a:rPr lang="en-US" sz="4000" dirty="0" smtClean="0"/>
+              <a:rPr lang="en-US" dirty="0" smtClean="0"/>
+              <a:t>Later this week --</a:t>
+            </a:r>
+            <a:endParaRPr lang="en-US" dirty="0"/>
+          </a:p>
+        </p:txBody>
+      </p:sp>
+      <p:sp>
+        <p:nvSpPr>
+          <p:cNvPr id="3" name="Content Placeholder 2"/>
+          <p:cNvSpPr>
+            <a:spLocks noGrp="1"/>
+          </p:cNvSpPr>
+          <p:nvPr>
+            <p:ph idx="1"/>
+          </p:nvPr>
+        </p:nvSpPr>
+        <p:spPr/>
+        <p:txBody>
+          <a:bodyPr/>
+          <a:lstStyle/>
+          <a:p>
+            <a:pPr marL="114300" indent="0">
+              <a:buNone/>
+            </a:pPr>
+            <a:r>
+              <a:rPr lang="en-US" dirty="0" smtClean="0"/>
+              <a:t>Many different approaches to evaluating quality/mismatches:</a:t>
+            </a:r>
+          </a:p>
+          <a:p>
+            <a:pPr marL="114300" indent="0">
+              <a:buNone/>
+            </a:pPr>
+            <a:endParaRPr lang="en-US" dirty="0"/>
+          </a:p>
+          <a:p>
+            <a:pPr marL="571500" indent="-457200">
+              <a:buAutoNum type="arabicPeriod"/>
+            </a:pPr>
+            <a:r>
+              <a:rPr lang="en-US" dirty="0" smtClean="0"/>
+              <a:t>Quality-score based (</a:t>
+            </a:r>
+            <a:r>
+              <a:rPr lang="en-US" dirty="0" err="1" smtClean="0"/>
+              <a:t>FastQC</a:t>
+            </a:r>
+            <a:r>
+              <a:rPr lang="en-US" dirty="0" smtClean="0"/>
+              <a:t> </a:t>
+            </a:r>
+            <a:r>
+              <a:rPr lang="en-US" dirty="0" err="1" smtClean="0"/>
+              <a:t>etc</a:t>
+            </a:r>
+            <a:r>
+              <a:rPr lang="en-US" dirty="0" smtClean="0"/>
               <a:t>)</a:t>
             </a:r>
-            <a:endParaRPr lang="en-US" sz="4000" dirty="0"/>
-          </a:p>
-        </p:txBody>
-      </p:sp>
-      <p:pic>
-        <p:nvPicPr>
-          <p:cNvPr id="6" name="Content Placeholder 5"/>
-          <p:cNvPicPr>
-            <a:picLocks noGrp="1" noChangeAspect="1"/>
-          </p:cNvPicPr>
-          <p:nvPr>
-            <p:ph idx="1"/>
-          </p:nvPr>
-        </p:nvPicPr>
-        <p:blipFill>
-          <a:blip r:embed="rId2"/>
-          <a:srcRect t="2750" b="2750"/>
-          <a:stretch>
-            <a:fillRect/>
-          </a:stretch>
-        </p:blipFill>
-        <p:spPr/>
-      </p:pic>
+          </a:p>
+          <a:p>
+            <a:pPr marL="571500" indent="-457200">
+              <a:buAutoNum type="arabicPeriod"/>
+            </a:pPr>
+            <a:endParaRPr lang="en-US" dirty="0" smtClean="0"/>
+          </a:p>
+          <a:p>
+            <a:pPr marL="571500" indent="-457200">
+              <a:buAutoNum type="arabicPeriod"/>
+            </a:pPr>
+            <a:r>
+              <a:rPr lang="en-US" dirty="0" smtClean="0"/>
+              <a:t>Composition based (</a:t>
+            </a:r>
+            <a:r>
+              <a:rPr lang="en-US" dirty="0" err="1" smtClean="0"/>
+              <a:t>FastQC</a:t>
+            </a:r>
+            <a:r>
+              <a:rPr lang="en-US" dirty="0"/>
+              <a:t> </a:t>
+            </a:r>
+            <a:r>
+              <a:rPr lang="en-US" dirty="0" err="1" smtClean="0"/>
+              <a:t>etc</a:t>
+            </a:r>
+            <a:r>
+              <a:rPr lang="en-US" dirty="0" smtClean="0"/>
+              <a:t>)</a:t>
+            </a:r>
+          </a:p>
+          <a:p>
+            <a:pPr marL="571500" indent="-457200">
+              <a:buAutoNum type="arabicPeriod"/>
+            </a:pPr>
+            <a:endParaRPr lang="en-US" dirty="0" smtClean="0"/>
+          </a:p>
+          <a:p>
+            <a:pPr marL="571500" indent="-457200">
+              <a:buAutoNum type="arabicPeriod"/>
+            </a:pPr>
+            <a:r>
+              <a:rPr lang="en-US" dirty="0" smtClean="0"/>
+              <a:t>Reference based (“I know what the answer should look like”)</a:t>
+            </a:r>
+          </a:p>
+          <a:p>
+            <a:pPr marL="571500" indent="-457200">
+              <a:buAutoNum type="arabicPeriod"/>
+            </a:pPr>
+            <a:endParaRPr lang="en-US" dirty="0"/>
+          </a:p>
+          <a:p>
+            <a:pPr marL="571500" indent="-457200">
+              <a:buAutoNum type="arabicPeriod"/>
+            </a:pPr>
+            <a:r>
+              <a:rPr lang="en-US" dirty="0" smtClean="0"/>
+              <a:t>Assembly-graph / k-</a:t>
+            </a:r>
+            <a:r>
+              <a:rPr lang="en-US" dirty="0" err="1" smtClean="0"/>
+              <a:t>mer</a:t>
+            </a:r>
+            <a:r>
+              <a:rPr lang="en-US" dirty="0" smtClean="0"/>
+              <a:t> based</a:t>
+            </a:r>
+          </a:p>
+          <a:p>
+            <a:pPr marL="571500" indent="-457200">
+              <a:buAutoNum type="arabicPeriod"/>
+            </a:pPr>
+            <a:endParaRPr lang="en-US" dirty="0"/>
+          </a:p>
+          <a:p>
+            <a:pPr marL="571500" indent="-457200">
+              <a:buAutoNum type="arabicPeriod"/>
+            </a:pPr>
+            <a:endParaRPr lang="en-US" dirty="0"/>
+          </a:p>
+        </p:txBody>
+      </p:sp>
     </p:spTree>
     <p:extLst>
       <p:ext uri="{BB962C8B-B14F-4D97-AF65-F5344CB8AC3E}">
-        <p14:creationId xmlns:p14="http://schemas.microsoft.com/office/powerpoint/2010/main" val="3224506403"/>
+        <p14:creationId xmlns:p14="http://schemas.microsoft.com/office/powerpoint/2010/main" val="819240693"/>
       </p:ext>
     </p:extLst>
   </p:cSld>
@@ -12831,16 +12878,24 @@
           <a:lstStyle/>
           <a:p>
             <a:r>
-              <a:rPr lang="en-US" dirty="0" smtClean="0"/>
-              <a:t>…from a well known data set…</a:t>
-            </a:r>
-            <a:endParaRPr lang="en-US" dirty="0"/>
+              <a:rPr lang="en-US" sz="4000" dirty="0" smtClean="0"/>
+              <a:t>Reference &amp; quality-score independent approaches (k-</a:t>
+            </a:r>
+            <a:r>
+              <a:rPr lang="en-US" sz="4000" dirty="0" err="1" smtClean="0"/>
+              <a:t>mers</a:t>
+            </a:r>
+            <a:r>
+              <a:rPr lang="en-US" sz="4000" dirty="0" smtClean="0"/>
+              <a:t>)</a:t>
+            </a:r>
+            <a:endParaRPr lang="en-US" sz="4000" dirty="0"/>
           </a:p>
         </p:txBody>
       </p:sp>
       <p:pic>
         <p:nvPicPr>
-          <p:cNvPr id="4" name="Content Placeholder 3"/>
+          <p:cNvPr id="6" name="Content Placeholder 5"/>
           <p:cNvPicPr>
             <a:picLocks noGrp="1" noChangeAspect="1"/>
           </p:cNvPicPr>
@@ -12857,6 +12912,158 @@
         </p:blipFill>
         <p:spPr/>
       </p:pic>
+      <p:sp>
+        <p:nvSpPr>
+          <p:cNvPr id="7" name="Rectangle 6"/>
+          <p:cNvSpPr/>
+          <p:nvPr/>
+        </p:nvSpPr>
+        <p:spPr>
+          <a:xfrm>
+            <a:off x="3823599" y="6399161"/>
+            <a:ext cx="4532010" cy="369332"/>
+          </a:xfrm>
+          <a:prstGeom prst="rect">
+            <a:avLst/>
+          </a:prstGeom>
+        </p:spPr>
+        <p:txBody>
+          <a:bodyPr wrap="none">
+            <a:spAutoFit/>
+          </a:bodyPr>
+          <a:lstStyle/>
+          <a:p>
+            <a:r>
+              <a:rPr lang="en-US" dirty="0" smtClean="0"/>
+              <a:t>Zhang et al., https</a:t>
+            </a:r>
+            <a:r>
+              <a:rPr lang="en-US" dirty="0"/>
+              <a:t>://</a:t>
+            </a:r>
+            <a:r>
+              <a:rPr lang="en-US" dirty="0" err="1"/>
+              <a:t>peerj.com</a:t>
+            </a:r>
+            <a:r>
+              <a:rPr lang="en-US" dirty="0"/>
+              <a:t>/preprints/890/</a:t>
+            </a:r>
+          </a:p>
+        </p:txBody>
+      </p:sp>
+    </p:spTree>
+    <p:extLst>
+      <p:ext uri="{BB962C8B-B14F-4D97-AF65-F5344CB8AC3E}">
+        <p14:creationId xmlns:p14="http://schemas.microsoft.com/office/powerpoint/2010/main" val="3224506403"/>
+      </p:ext>
+    </p:extLst>
+  </p:cSld>
+  <p:clrMapOvr>
+    <a:masterClrMapping/>
+  </p:clrMapOvr>
+</p:sld>
+</file>
+
+<file path=ppt/slides/slide67.xml><?xml version="1.0" encoding="utf-8"?>
+<p:sld xmlns:a="http://schemas.openxmlformats.org/drawingml/2006/main" xmlns:r="http://schemas.openxmlformats.org/officeDocument/2006/relationships" xmlns:p="http://schemas.openxmlformats.org/presentationml/2006/main">
+  <p:cSld>
+    <p:spTree>
+      <p:nvGrpSpPr>
+        <p:cNvPr id="1" name=""/>
+        <p:cNvGrpSpPr/>
+        <p:nvPr/>
+      </p:nvGrpSpPr>
+      <p:grpSpPr>
+        <a:xfrm>
+          <a:off x="0" y="0"/>
+          <a:ext cx="0" cy="0"/>
+          <a:chOff x="0" y="0"/>
+          <a:chExt cx="0" cy="0"/>
+        </a:xfrm>
+      </p:grpSpPr>
+      <p:sp>
+        <p:nvSpPr>
+          <p:cNvPr id="2" name="Title 1"/>
+          <p:cNvSpPr>
+            <a:spLocks noGrp="1"/>
+          </p:cNvSpPr>
+          <p:nvPr>
+            <p:ph type="title"/>
+          </p:nvPr>
+        </p:nvSpPr>
+        <p:spPr/>
+        <p:txBody>
+          <a:bodyPr/>
+          <a:lstStyle/>
+          <a:p>
+            <a:r>
+              <a:rPr lang="en-US" dirty="0" smtClean="0"/>
+              <a:t>…from a well known data set…</a:t>
+            </a:r>
+            <a:endParaRPr lang="en-US" dirty="0"/>
+          </a:p>
+        </p:txBody>
+      </p:sp>
+      <p:pic>
+        <p:nvPicPr>
+          <p:cNvPr id="4" name="Content Placeholder 3"/>
+          <p:cNvPicPr>
+            <a:picLocks noGrp="1" noChangeAspect="1"/>
+          </p:cNvPicPr>
+          <p:nvPr>
+            <p:ph idx="1"/>
+          </p:nvPr>
+        </p:nvPicPr>
+        <p:blipFill>
+          <a:blip r:embed="rId2"/>
+          <a:srcRect t="2750" b="2750"/>
+          <a:stretch>
+            <a:fillRect/>
+          </a:stretch>
+        </p:blipFill>
+        <p:spPr/>
+      </p:pic>
+      <p:sp>
+        <p:nvSpPr>
+          <p:cNvPr id="5" name="Rectangle 4"/>
+          <p:cNvSpPr/>
+          <p:nvPr/>
+        </p:nvSpPr>
+        <p:spPr>
+          <a:xfrm>
+            <a:off x="3823599" y="6399161"/>
+            <a:ext cx="4532010" cy="369332"/>
+          </a:xfrm>
+          <a:prstGeom prst="rect">
+            <a:avLst/>
+          </a:prstGeom>
+        </p:spPr>
+        <p:txBody>
+          <a:bodyPr wrap="none">
+            <a:spAutoFit/>
+          </a:bodyPr>
+          <a:lstStyle/>
+          <a:p>
+            <a:r>
+              <a:rPr lang="en-US" dirty="0" smtClean="0"/>
+              <a:t>Zhang et al., https</a:t>
+            </a:r>
+            <a:r>
+              <a:rPr lang="en-US" dirty="0"/>
+              <a:t>://</a:t>
+            </a:r>
+            <a:r>
+              <a:rPr lang="en-US" dirty="0" err="1"/>
+              <a:t>peerj.com</a:t>
+            </a:r>
+            <a:r>
+              <a:rPr lang="en-US" dirty="0"/>
+              <a:t>/preprints/890/</a:t>
+            </a:r>
+          </a:p>
+        </p:txBody>
+      </p:sp>
     </p:spTree>
     <p:extLst>
       <p:ext uri="{BB962C8B-B14F-4D97-AF65-F5344CB8AC3E}">
